--- a/GA_Final_presentation.pptx
+++ b/GA_Final_presentation.pptx
@@ -14492,14 +14492,43 @@
       </p:sp>
       <p:pic>
         <p:nvPicPr>
-          <p:cNvPr id="6" name="Picture 5"/>
+          <p:cNvPr id="4" name="Picture 3"/>
+          <p:cNvPicPr>
+            <a:picLocks noChangeAspect="1"/>
+          </p:cNvPicPr>
+          <p:nvPr/>
+        </p:nvPicPr>
+        <p:blipFill rotWithShape="1">
+          <a:blip r:embed="rId3">
+            <a:extLst>
+              <a:ext uri="{28A0092B-C50C-407E-A947-70E740481C1C}">
+                <a14:useLocalDpi xmlns:a14="http://schemas.microsoft.com/office/drawing/2010/main" val="0"/>
+              </a:ext>
+            </a:extLst>
+          </a:blip>
+          <a:srcRect l="79354"/>
+          <a:stretch/>
+        </p:blipFill>
+        <p:spPr>
+          <a:xfrm>
+            <a:off x="8016949" y="1786269"/>
+            <a:ext cx="1051442" cy="3200400"/>
+          </a:xfrm>
+          <a:prstGeom prst="rect">
+            <a:avLst/>
+          </a:prstGeom>
+        </p:spPr>
+      </p:pic>
+      <p:pic>
+        <p:nvPicPr>
+          <p:cNvPr id="5" name="Picture 4"/>
           <p:cNvPicPr>
             <a:picLocks noChangeAspect="1"/>
           </p:cNvPicPr>
           <p:nvPr/>
         </p:nvPicPr>
         <p:blipFill>
-          <a:blip r:embed="rId3">
+          <a:blip r:embed="rId4">
             <a:extLst>
               <a:ext uri="{28A0092B-C50C-407E-A947-70E740481C1C}">
                 <a14:useLocalDpi xmlns:a14="http://schemas.microsoft.com/office/drawing/2010/main" val="0"/>
@@ -14512,48 +14541,14 @@
         </p:blipFill>
         <p:spPr>
           <a:xfrm>
-            <a:off x="3619500" y="1714500"/>
-            <a:ext cx="4940300" cy="3416300"/>
+            <a:off x="374958" y="1329956"/>
+            <a:ext cx="7641991" cy="4517951"/>
           </a:xfrm>
           <a:prstGeom prst="rect">
             <a:avLst/>
           </a:prstGeom>
         </p:spPr>
       </p:pic>
-      <p:sp>
-        <p:nvSpPr>
-          <p:cNvPr id="7" name="TextBox 6"/>
-          <p:cNvSpPr txBox="1"/>
-          <p:nvPr/>
-        </p:nvSpPr>
-        <p:spPr>
-          <a:xfrm>
-            <a:off x="5228258" y="5236170"/>
-            <a:ext cx="1722783" cy="923330"/>
-          </a:xfrm>
-          <a:prstGeom prst="rect">
-            <a:avLst/>
-          </a:prstGeom>
-          <a:noFill/>
-        </p:spPr>
-        <p:txBody>
-          <a:bodyPr wrap="square" rtlCol="0">
-            <a:spAutoFit/>
-          </a:bodyPr>
-          <a:lstStyle/>
-          <a:p>
-            <a:r>
-              <a:rPr lang="en-US" dirty="0" smtClean="0"/>
-              <a:t>Insert fancier version of </a:t>
-            </a:r>
-            <a:r>
-              <a:rPr lang="en-US" smtClean="0"/>
-              <a:t>this graph</a:t>
-            </a:r>
-            <a:endParaRPr lang="en-US"/>
-          </a:p>
-        </p:txBody>
-      </p:sp>
     </p:spTree>
     <p:extLst>
       <p:ext uri="{BB962C8B-B14F-4D97-AF65-F5344CB8AC3E}">

--- a/GA_Final_presentation.pptx
+++ b/GA_Final_presentation.pptx
@@ -5,20 +5,21 @@
     <p:sldMasterId id="2147483655" r:id="rId1"/>
   </p:sldMasterIdLst>
   <p:notesMasterIdLst>
-    <p:notesMasterId r:id="rId13"/>
+    <p:notesMasterId r:id="rId14"/>
   </p:notesMasterIdLst>
   <p:sldIdLst>
     <p:sldId id="256" r:id="rId2"/>
     <p:sldId id="258" r:id="rId3"/>
     <p:sldId id="261" r:id="rId4"/>
     <p:sldId id="262" r:id="rId5"/>
-    <p:sldId id="263" r:id="rId6"/>
-    <p:sldId id="264" r:id="rId7"/>
-    <p:sldId id="265" r:id="rId8"/>
-    <p:sldId id="266" r:id="rId9"/>
-    <p:sldId id="267" r:id="rId10"/>
-    <p:sldId id="268" r:id="rId11"/>
-    <p:sldId id="270" r:id="rId12"/>
+    <p:sldId id="271" r:id="rId6"/>
+    <p:sldId id="263" r:id="rId7"/>
+    <p:sldId id="264" r:id="rId8"/>
+    <p:sldId id="265" r:id="rId9"/>
+    <p:sldId id="266" r:id="rId10"/>
+    <p:sldId id="267" r:id="rId11"/>
+    <p:sldId id="268" r:id="rId12"/>
+    <p:sldId id="270" r:id="rId13"/>
   </p:sldIdLst>
   <p:sldSz cx="9144000" cy="6858000" type="screen4x3"/>
   <p:notesSz cx="6858000" cy="9144000"/>
@@ -1117,7 +1118,7 @@
             </a:pPr>
             <a:fld id="{00000000-1234-1234-1234-123412341234}" type="slidenum">
               <a:rPr lang="en-US"/>
-              <a:t>11</a:t>
+              <a:t>12</a:t>
             </a:fld>
             <a:endParaRPr lang="en-US"/>
           </a:p>
@@ -1267,7 +1268,7 @@
             </a:pPr>
             <a:fld id="{00000000-1234-1234-1234-123412341234}" type="slidenum">
               <a:rPr lang="en-US"/>
-              <a:t>12</a:t>
+              <a:t>13</a:t>
             </a:fld>
             <a:endParaRPr lang="en-US"/>
           </a:p>
@@ -1961,7 +1962,7 @@
             </a:pPr>
             <a:fld id="{00000000-1234-1234-1234-123412341234}" type="slidenum">
               <a:rPr lang="en-US"/>
-              <a:t>6</a:t>
+              <a:t>7</a:t>
             </a:fld>
             <a:endParaRPr lang="en-US"/>
           </a:p>
@@ -2171,7 +2172,7 @@
             </a:pPr>
             <a:fld id="{00000000-1234-1234-1234-123412341234}" type="slidenum">
               <a:rPr lang="en-US"/>
-              <a:t>7</a:t>
+              <a:t>8</a:t>
             </a:fld>
             <a:endParaRPr lang="en-US"/>
           </a:p>
@@ -2321,7 +2322,7 @@
             </a:pPr>
             <a:fld id="{00000000-1234-1234-1234-123412341234}" type="slidenum">
               <a:rPr lang="en-US"/>
-              <a:t>8</a:t>
+              <a:t>9</a:t>
             </a:fld>
             <a:endParaRPr lang="en-US"/>
           </a:p>
@@ -2471,7 +2472,7 @@
             </a:pPr>
             <a:fld id="{00000000-1234-1234-1234-123412341234}" type="slidenum">
               <a:rPr lang="en-US"/>
-              <a:t>9</a:t>
+              <a:t>10</a:t>
             </a:fld>
             <a:endParaRPr lang="en-US"/>
           </a:p>
@@ -2652,7 +2653,7 @@
             </a:pPr>
             <a:fld id="{00000000-1234-1234-1234-123412341234}" type="slidenum">
               <a:rPr lang="en-US"/>
-              <a:t>10</a:t>
+              <a:t>11</a:t>
             </a:fld>
             <a:endParaRPr lang="en-US"/>
           </a:p>
@@ -4972,6 +4973,173 @@
               <a:rPr lang="en-US" dirty="0"/>
               <a:t>How much should you spend?</a:t>
             </a:r>
+            <a:endParaRPr lang="en-US" dirty="0"/>
+          </a:p>
+        </p:txBody>
+      </p:sp>
+      <p:sp>
+        <p:nvSpPr>
+          <p:cNvPr id="101" name="Shape 101"/>
+          <p:cNvSpPr txBox="1">
+            <a:spLocks noGrp="1"/>
+          </p:cNvSpPr>
+          <p:nvPr>
+            <p:ph type="sldNum" idx="12"/>
+          </p:nvPr>
+        </p:nvSpPr>
+        <p:spPr>
+          <a:xfrm>
+            <a:off x="6578857" y="6420489"/>
+            <a:ext cx="2133599" cy="365099"/>
+          </a:xfrm>
+          <a:prstGeom prst="rect">
+            <a:avLst/>
+          </a:prstGeom>
+        </p:spPr>
+        <p:txBody>
+          <a:bodyPr lIns="91425" tIns="45700" rIns="91425" bIns="45700" anchor="ctr" anchorCtr="0">
+            <a:noAutofit/>
+          </a:bodyPr>
+          <a:lstStyle/>
+          <a:p>
+            <a:pPr lvl="0">
+              <a:spcBef>
+                <a:spcPts val="0"/>
+              </a:spcBef>
+              <a:buClr>
+                <a:srgbClr val="000000"/>
+              </a:buClr>
+              <a:buSzPct val="25000"/>
+              <a:buFont typeface="Arial"/>
+              <a:buNone/>
+            </a:pPr>
+            <a:fld id="{00000000-1234-1234-1234-123412341234}" type="slidenum">
+              <a:rPr lang="en-US"/>
+              <a:t>11</a:t>
+            </a:fld>
+            <a:endParaRPr lang="en-US"/>
+          </a:p>
+        </p:txBody>
+      </p:sp>
+      <p:pic>
+        <p:nvPicPr>
+          <p:cNvPr id="4" name="Picture 3"/>
+          <p:cNvPicPr>
+            <a:picLocks noChangeAspect="1"/>
+          </p:cNvPicPr>
+          <p:nvPr/>
+        </p:nvPicPr>
+        <p:blipFill rotWithShape="1">
+          <a:blip r:embed="rId3">
+            <a:extLst>
+              <a:ext uri="{28A0092B-C50C-407E-A947-70E740481C1C}">
+                <a14:useLocalDpi xmlns:a14="http://schemas.microsoft.com/office/drawing/2010/main" val="0"/>
+              </a:ext>
+            </a:extLst>
+          </a:blip>
+          <a:srcRect l="79354"/>
+          <a:stretch/>
+        </p:blipFill>
+        <p:spPr>
+          <a:xfrm>
+            <a:off x="8016949" y="1786269"/>
+            <a:ext cx="1051442" cy="3200400"/>
+          </a:xfrm>
+          <a:prstGeom prst="rect">
+            <a:avLst/>
+          </a:prstGeom>
+        </p:spPr>
+      </p:pic>
+      <p:pic>
+        <p:nvPicPr>
+          <p:cNvPr id="5" name="Picture 4"/>
+          <p:cNvPicPr>
+            <a:picLocks noChangeAspect="1"/>
+          </p:cNvPicPr>
+          <p:nvPr/>
+        </p:nvPicPr>
+        <p:blipFill>
+          <a:blip r:embed="rId4">
+            <a:extLst>
+              <a:ext uri="{28A0092B-C50C-407E-A947-70E740481C1C}">
+                <a14:useLocalDpi xmlns:a14="http://schemas.microsoft.com/office/drawing/2010/main" val="0"/>
+              </a:ext>
+            </a:extLst>
+          </a:blip>
+          <a:stretch>
+            <a:fillRect/>
+          </a:stretch>
+        </p:blipFill>
+        <p:spPr>
+          <a:xfrm>
+            <a:off x="374958" y="1329956"/>
+            <a:ext cx="7641991" cy="4517951"/>
+          </a:xfrm>
+          <a:prstGeom prst="rect">
+            <a:avLst/>
+          </a:prstGeom>
+        </p:spPr>
+      </p:pic>
+    </p:spTree>
+    <p:extLst>
+      <p:ext uri="{BB962C8B-B14F-4D97-AF65-F5344CB8AC3E}">
+        <p14:creationId xmlns:p14="http://schemas.microsoft.com/office/powerpoint/2010/main" val="487495370"/>
+      </p:ext>
+    </p:extLst>
+  </p:cSld>
+  <p:clrMapOvr>
+    <a:masterClrMapping/>
+  </p:clrMapOvr>
+</p:sld>
+</file>
+
+<file path=ppt/slides/slide11.xml><?xml version="1.0" encoding="utf-8"?>
+<p:sld xmlns:a="http://schemas.openxmlformats.org/drawingml/2006/main" xmlns:r="http://schemas.openxmlformats.org/officeDocument/2006/relationships" xmlns:p="http://schemas.openxmlformats.org/presentationml/2006/main">
+  <p:cSld>
+    <p:spTree>
+      <p:nvGrpSpPr>
+        <p:cNvPr id="1" name="Shape 98"/>
+        <p:cNvGrpSpPr/>
+        <p:nvPr/>
+      </p:nvGrpSpPr>
+      <p:grpSpPr>
+        <a:xfrm>
+          <a:off x="0" y="0"/>
+          <a:ext cx="0" cy="0"/>
+          <a:chOff x="0" y="0"/>
+          <a:chExt cx="0" cy="0"/>
+        </a:xfrm>
+      </p:grpSpPr>
+      <p:sp>
+        <p:nvSpPr>
+          <p:cNvPr id="99" name="Shape 99"/>
+          <p:cNvSpPr txBox="1">
+            <a:spLocks noGrp="1"/>
+          </p:cNvSpPr>
+          <p:nvPr>
+            <p:ph type="title"/>
+          </p:nvPr>
+        </p:nvSpPr>
+        <p:spPr>
+          <a:xfrm>
+            <a:off x="457200" y="436939"/>
+            <a:ext cx="8229600" cy="743100"/>
+          </a:xfrm>
+          <a:prstGeom prst="rect">
+            <a:avLst/>
+          </a:prstGeom>
+        </p:spPr>
+        <p:txBody>
+          <a:bodyPr lIns="91425" tIns="91425" rIns="91425" bIns="91425" anchor="ctr" anchorCtr="0">
+            <a:noAutofit/>
+          </a:bodyPr>
+          <a:lstStyle/>
+          <a:p>
+            <a:pPr lvl="0"/>
+            <a:r>
+              <a:rPr lang="en-US" dirty="0"/>
+              <a:t>How much should you spend?</a:t>
+            </a:r>
             <a:br>
               <a:rPr lang="en-US" dirty="0"/>
             </a:br>
@@ -5017,7 +5185,7 @@
             </a:pPr>
             <a:fld id="{00000000-1234-1234-1234-123412341234}" type="slidenum">
               <a:rPr lang="en-US"/>
-              <a:t>11</a:t>
+              <a:t>12</a:t>
             </a:fld>
             <a:endParaRPr lang="en-US"/>
           </a:p>
@@ -5076,7 +5244,7 @@
 </p:sld>
 </file>
 
-<file path=ppt/slides/slide11.xml><?xml version="1.0" encoding="utf-8"?>
+<file path=ppt/slides/slide12.xml><?xml version="1.0" encoding="utf-8"?>
 <p:sld xmlns:a="http://schemas.openxmlformats.org/drawingml/2006/main" xmlns:r="http://schemas.openxmlformats.org/officeDocument/2006/relationships" xmlns:p="http://schemas.openxmlformats.org/presentationml/2006/main">
   <p:cSld>
     <p:spTree>
@@ -5225,7 +5393,7 @@
             </a:pPr>
             <a:fld id="{00000000-1234-1234-1234-123412341234}" type="slidenum">
               <a:rPr lang="en-US"/>
-              <a:t>12</a:t>
+              <a:t>13</a:t>
             </a:fld>
             <a:endParaRPr lang="en-US"/>
           </a:p>
@@ -10236,7 +10404,7 @@
   <p:cSld>
     <p:spTree>
       <p:nvGrpSpPr>
-        <p:cNvPr id="1" name="Shape 98"/>
+        <p:cNvPr id="1" name=""/>
         <p:cNvGrpSpPr/>
         <p:nvPr/>
       </p:nvGrpSpPr>
@@ -10250,79 +10418,69 @@
       </p:grpSpPr>
       <p:sp>
         <p:nvSpPr>
-          <p:cNvPr id="99" name="Shape 99"/>
-          <p:cNvSpPr txBox="1">
+          <p:cNvPr id="2" name="Title 1"/>
+          <p:cNvSpPr>
             <a:spLocks noGrp="1"/>
           </p:cNvSpPr>
           <p:nvPr>
             <p:ph type="title"/>
           </p:nvPr>
         </p:nvSpPr>
-        <p:spPr>
-          <a:xfrm>
-            <a:off x="457200" y="436939"/>
-            <a:ext cx="8229600" cy="743100"/>
-          </a:xfrm>
-          <a:prstGeom prst="rect">
-            <a:avLst/>
-          </a:prstGeom>
-        </p:spPr>
+        <p:spPr/>
         <p:txBody>
-          <a:bodyPr lIns="91425" tIns="91425" rIns="91425" bIns="91425" anchor="ctr" anchorCtr="0">
-            <a:noAutofit/>
-          </a:bodyPr>
+          <a:bodyPr/>
           <a:lstStyle/>
           <a:p>
-            <a:pPr lvl="0"/>
             <a:r>
               <a:rPr lang="en-US" dirty="0"/>
               <a:t>Where should you work out?</a:t>
             </a:r>
-            <a:endParaRPr lang="en-US" dirty="0"/>
           </a:p>
         </p:txBody>
       </p:sp>
       <p:sp>
         <p:nvSpPr>
-          <p:cNvPr id="101" name="Shape 101"/>
-          <p:cNvSpPr txBox="1">
+          <p:cNvPr id="4" name="Slide Number Placeholder 3"/>
+          <p:cNvSpPr>
             <a:spLocks noGrp="1"/>
           </p:cNvSpPr>
           <p:nvPr>
             <p:ph type="sldNum" idx="12"/>
           </p:nvPr>
         </p:nvSpPr>
-        <p:spPr>
-          <a:xfrm>
-            <a:off x="6578857" y="6420489"/>
-            <a:ext cx="2133599" cy="365099"/>
-          </a:xfrm>
-          <a:prstGeom prst="rect">
-            <a:avLst/>
-          </a:prstGeom>
-        </p:spPr>
+        <p:spPr/>
         <p:txBody>
-          <a:bodyPr lIns="91425" tIns="45700" rIns="91425" bIns="45700" anchor="ctr" anchorCtr="0">
-            <a:noAutofit/>
-          </a:bodyPr>
+          <a:bodyPr/>
           <a:lstStyle/>
           <a:p>
-            <a:pPr lvl="0">
-              <a:spcBef>
-                <a:spcPts val="0"/>
-              </a:spcBef>
-              <a:buClr>
-                <a:srgbClr val="000000"/>
-              </a:buClr>
+            <a:pPr marL="0" marR="0" lvl="0" indent="0" algn="r" rtl="0">
+              <a:spcBef>
+                <a:spcPts val="0"/>
+              </a:spcBef>
               <a:buSzPct val="25000"/>
-              <a:buFont typeface="Arial"/>
               <a:buNone/>
             </a:pPr>
             <a:fld id="{00000000-1234-1234-1234-123412341234}" type="slidenum">
-              <a:rPr lang="en-US"/>
+              <a:rPr lang="en-US" sz="1600" b="1" i="0" u="none" strike="noStrike" cap="none" smtClean="0">
+                <a:solidFill>
+                  <a:schemeClr val="lt1"/>
+                </a:solidFill>
+                <a:latin typeface="Helvetica Neue"/>
+                <a:ea typeface="Helvetica Neue"/>
+                <a:cs typeface="Helvetica Neue"/>
+                <a:sym typeface="Helvetica Neue"/>
+              </a:rPr>
               <a:t>6</a:t>
             </a:fld>
-            <a:endParaRPr lang="en-US"/>
+            <a:endParaRPr lang="en-US" sz="1600" b="1" i="0" u="none" strike="noStrike" cap="none">
+              <a:solidFill>
+                <a:schemeClr val="lt1"/>
+              </a:solidFill>
+              <a:latin typeface="Helvetica Neue"/>
+              <a:ea typeface="Helvetica Neue"/>
+              <a:cs typeface="Helvetica Neue"/>
+              <a:sym typeface="Helvetica Neue"/>
+            </a:endParaRPr>
           </a:p>
         </p:txBody>
       </p:sp>
@@ -10335,17 +10493,7 @@
           <p:nvPr/>
         </p:nvPicPr>
         <p:blipFill>
-          <a:blip r:embed="rId3">
-            <a:clrChange>
-              <a:clrFrom>
-                <a:srgbClr val="FFFFFF"/>
-              </a:clrFrom>
-              <a:clrTo>
-                <a:srgbClr val="FFFFFF">
-                  <a:alpha val="0"/>
-                </a:srgbClr>
-              </a:clrTo>
-            </a:clrChange>
+          <a:blip r:embed="rId2">
             <a:extLst>
               <a:ext uri="{28A0092B-C50C-407E-A947-70E740481C1C}">
                 <a14:useLocalDpi xmlns:a14="http://schemas.microsoft.com/office/drawing/2010/main" val="0"/>
@@ -10358,8 +10506,8 @@
         </p:blipFill>
         <p:spPr>
           <a:xfrm>
-            <a:off x="374993" y="1180039"/>
-            <a:ext cx="8311807" cy="4784287"/>
+            <a:off x="1919915" y="1010093"/>
+            <a:ext cx="5304170" cy="5180612"/>
           </a:xfrm>
           <a:prstGeom prst="rect">
             <a:avLst/>
@@ -10369,7 +10517,7 @@
     </p:spTree>
     <p:extLst>
       <p:ext uri="{BB962C8B-B14F-4D97-AF65-F5344CB8AC3E}">
-        <p14:creationId xmlns:p14="http://schemas.microsoft.com/office/powerpoint/2010/main" val="1494664305"/>
+        <p14:creationId xmlns:p14="http://schemas.microsoft.com/office/powerpoint/2010/main" val="1774132426"/>
       </p:ext>
     </p:extLst>
   </p:cSld>
@@ -10474,6 +10622,154 @@
           </a:p>
         </p:txBody>
       </p:sp>
+      <p:pic>
+        <p:nvPicPr>
+          <p:cNvPr id="6" name="Picture 5"/>
+          <p:cNvPicPr>
+            <a:picLocks noChangeAspect="1"/>
+          </p:cNvPicPr>
+          <p:nvPr/>
+        </p:nvPicPr>
+        <p:blipFill>
+          <a:blip r:embed="rId3">
+            <a:clrChange>
+              <a:clrFrom>
+                <a:srgbClr val="FFFFFF"/>
+              </a:clrFrom>
+              <a:clrTo>
+                <a:srgbClr val="FFFFFF">
+                  <a:alpha val="0"/>
+                </a:srgbClr>
+              </a:clrTo>
+            </a:clrChange>
+            <a:extLst>
+              <a:ext uri="{28A0092B-C50C-407E-A947-70E740481C1C}">
+                <a14:useLocalDpi xmlns:a14="http://schemas.microsoft.com/office/drawing/2010/main" val="0"/>
+              </a:ext>
+            </a:extLst>
+          </a:blip>
+          <a:stretch>
+            <a:fillRect/>
+          </a:stretch>
+        </p:blipFill>
+        <p:spPr>
+          <a:xfrm>
+            <a:off x="374993" y="1180039"/>
+            <a:ext cx="8311807" cy="4784287"/>
+          </a:xfrm>
+          <a:prstGeom prst="rect">
+            <a:avLst/>
+          </a:prstGeom>
+        </p:spPr>
+      </p:pic>
+    </p:spTree>
+    <p:extLst>
+      <p:ext uri="{BB962C8B-B14F-4D97-AF65-F5344CB8AC3E}">
+        <p14:creationId xmlns:p14="http://schemas.microsoft.com/office/powerpoint/2010/main" val="1494664305"/>
+      </p:ext>
+    </p:extLst>
+  </p:cSld>
+  <p:clrMapOvr>
+    <a:masterClrMapping/>
+  </p:clrMapOvr>
+</p:sld>
+</file>
+
+<file path=ppt/slides/slide7.xml><?xml version="1.0" encoding="utf-8"?>
+<p:sld xmlns:a="http://schemas.openxmlformats.org/drawingml/2006/main" xmlns:r="http://schemas.openxmlformats.org/officeDocument/2006/relationships" xmlns:p="http://schemas.openxmlformats.org/presentationml/2006/main">
+  <p:cSld>
+    <p:spTree>
+      <p:nvGrpSpPr>
+        <p:cNvPr id="1" name="Shape 98"/>
+        <p:cNvGrpSpPr/>
+        <p:nvPr/>
+      </p:nvGrpSpPr>
+      <p:grpSpPr>
+        <a:xfrm>
+          <a:off x="0" y="0"/>
+          <a:ext cx="0" cy="0"/>
+          <a:chOff x="0" y="0"/>
+          <a:chExt cx="0" cy="0"/>
+        </a:xfrm>
+      </p:grpSpPr>
+      <p:sp>
+        <p:nvSpPr>
+          <p:cNvPr id="99" name="Shape 99"/>
+          <p:cNvSpPr txBox="1">
+            <a:spLocks noGrp="1"/>
+          </p:cNvSpPr>
+          <p:nvPr>
+            <p:ph type="title"/>
+          </p:nvPr>
+        </p:nvSpPr>
+        <p:spPr>
+          <a:xfrm>
+            <a:off x="457200" y="436939"/>
+            <a:ext cx="8229600" cy="743100"/>
+          </a:xfrm>
+          <a:prstGeom prst="rect">
+            <a:avLst/>
+          </a:prstGeom>
+        </p:spPr>
+        <p:txBody>
+          <a:bodyPr lIns="91425" tIns="91425" rIns="91425" bIns="91425" anchor="ctr" anchorCtr="0">
+            <a:noAutofit/>
+          </a:bodyPr>
+          <a:lstStyle/>
+          <a:p>
+            <a:pPr lvl="0"/>
+            <a:r>
+              <a:rPr lang="en-US" dirty="0"/>
+              <a:t>Where should you work out?</a:t>
+            </a:r>
+            <a:endParaRPr lang="en-US" dirty="0"/>
+          </a:p>
+        </p:txBody>
+      </p:sp>
+      <p:sp>
+        <p:nvSpPr>
+          <p:cNvPr id="101" name="Shape 101"/>
+          <p:cNvSpPr txBox="1">
+            <a:spLocks noGrp="1"/>
+          </p:cNvSpPr>
+          <p:nvPr>
+            <p:ph type="sldNum" idx="12"/>
+          </p:nvPr>
+        </p:nvSpPr>
+        <p:spPr>
+          <a:xfrm>
+            <a:off x="6578857" y="6420489"/>
+            <a:ext cx="2133599" cy="365099"/>
+          </a:xfrm>
+          <a:prstGeom prst="rect">
+            <a:avLst/>
+          </a:prstGeom>
+        </p:spPr>
+        <p:txBody>
+          <a:bodyPr lIns="91425" tIns="45700" rIns="91425" bIns="45700" anchor="ctr" anchorCtr="0">
+            <a:noAutofit/>
+          </a:bodyPr>
+          <a:lstStyle/>
+          <a:p>
+            <a:pPr lvl="0">
+              <a:spcBef>
+                <a:spcPts val="0"/>
+              </a:spcBef>
+              <a:buClr>
+                <a:srgbClr val="000000"/>
+              </a:buClr>
+              <a:buSzPct val="25000"/>
+              <a:buFont typeface="Arial"/>
+              <a:buNone/>
+            </a:pPr>
+            <a:fld id="{00000000-1234-1234-1234-123412341234}" type="slidenum">
+              <a:rPr lang="en-US"/>
+              <a:t>8</a:t>
+            </a:fld>
+            <a:endParaRPr lang="en-US"/>
+          </a:p>
+        </p:txBody>
+      </p:sp>
       <p:graphicFrame>
         <p:nvGraphicFramePr>
           <p:cNvPr id="7" name="Table 6"/>
@@ -13939,7 +14235,7 @@
 </p:sld>
 </file>
 
-<file path=ppt/slides/slide7.xml><?xml version="1.0" encoding="utf-8"?>
+<file path=ppt/slides/slide8.xml><?xml version="1.0" encoding="utf-8"?>
 <p:sld xmlns:a="http://schemas.openxmlformats.org/drawingml/2006/main" xmlns:r="http://schemas.openxmlformats.org/officeDocument/2006/relationships" xmlns:p="http://schemas.openxmlformats.org/presentationml/2006/main">
   <p:cSld>
     <p:spTree>
@@ -14028,7 +14324,7 @@
             </a:pPr>
             <a:fld id="{00000000-1234-1234-1234-123412341234}" type="slidenum">
               <a:rPr lang="en-US"/>
-              <a:t>8</a:t>
+              <a:t>9</a:t>
             </a:fld>
             <a:endParaRPr lang="en-US"/>
           </a:p>
@@ -14167,7 +14463,7 @@
 </p:sld>
 </file>
 
-<file path=ppt/slides/slide8.xml><?xml version="1.0" encoding="utf-8"?>
+<file path=ppt/slides/slide9.xml><?xml version="1.0" encoding="utf-8"?>
 <p:sld xmlns:a="http://schemas.openxmlformats.org/drawingml/2006/main" xmlns:r="http://schemas.openxmlformats.org/officeDocument/2006/relationships" xmlns:p="http://schemas.openxmlformats.org/presentationml/2006/main">
   <p:cSld>
     <p:spTree>
@@ -14256,7 +14552,7 @@
             </a:pPr>
             <a:fld id="{00000000-1234-1234-1234-123412341234}" type="slidenum">
               <a:rPr lang="en-US"/>
-              <a:t>9</a:t>
+              <a:t>10</a:t>
             </a:fld>
             <a:endParaRPr lang="en-US"/>
           </a:p>
@@ -14386,173 +14682,6 @@
     <p:extLst>
       <p:ext uri="{BB962C8B-B14F-4D97-AF65-F5344CB8AC3E}">
         <p14:creationId xmlns:p14="http://schemas.microsoft.com/office/powerpoint/2010/main" val="121205400"/>
-      </p:ext>
-    </p:extLst>
-  </p:cSld>
-  <p:clrMapOvr>
-    <a:masterClrMapping/>
-  </p:clrMapOvr>
-</p:sld>
-</file>
-
-<file path=ppt/slides/slide9.xml><?xml version="1.0" encoding="utf-8"?>
-<p:sld xmlns:a="http://schemas.openxmlformats.org/drawingml/2006/main" xmlns:r="http://schemas.openxmlformats.org/officeDocument/2006/relationships" xmlns:p="http://schemas.openxmlformats.org/presentationml/2006/main">
-  <p:cSld>
-    <p:spTree>
-      <p:nvGrpSpPr>
-        <p:cNvPr id="1" name="Shape 98"/>
-        <p:cNvGrpSpPr/>
-        <p:nvPr/>
-      </p:nvGrpSpPr>
-      <p:grpSpPr>
-        <a:xfrm>
-          <a:off x="0" y="0"/>
-          <a:ext cx="0" cy="0"/>
-          <a:chOff x="0" y="0"/>
-          <a:chExt cx="0" cy="0"/>
-        </a:xfrm>
-      </p:grpSpPr>
-      <p:sp>
-        <p:nvSpPr>
-          <p:cNvPr id="99" name="Shape 99"/>
-          <p:cNvSpPr txBox="1">
-            <a:spLocks noGrp="1"/>
-          </p:cNvSpPr>
-          <p:nvPr>
-            <p:ph type="title"/>
-          </p:nvPr>
-        </p:nvSpPr>
-        <p:spPr>
-          <a:xfrm>
-            <a:off x="457200" y="436939"/>
-            <a:ext cx="8229600" cy="743100"/>
-          </a:xfrm>
-          <a:prstGeom prst="rect">
-            <a:avLst/>
-          </a:prstGeom>
-        </p:spPr>
-        <p:txBody>
-          <a:bodyPr lIns="91425" tIns="91425" rIns="91425" bIns="91425" anchor="ctr" anchorCtr="0">
-            <a:noAutofit/>
-          </a:bodyPr>
-          <a:lstStyle/>
-          <a:p>
-            <a:pPr lvl="0"/>
-            <a:r>
-              <a:rPr lang="en-US" dirty="0"/>
-              <a:t>How much should you spend?</a:t>
-            </a:r>
-            <a:endParaRPr lang="en-US" dirty="0"/>
-          </a:p>
-        </p:txBody>
-      </p:sp>
-      <p:sp>
-        <p:nvSpPr>
-          <p:cNvPr id="101" name="Shape 101"/>
-          <p:cNvSpPr txBox="1">
-            <a:spLocks noGrp="1"/>
-          </p:cNvSpPr>
-          <p:nvPr>
-            <p:ph type="sldNum" idx="12"/>
-          </p:nvPr>
-        </p:nvSpPr>
-        <p:spPr>
-          <a:xfrm>
-            <a:off x="6578857" y="6420489"/>
-            <a:ext cx="2133599" cy="365099"/>
-          </a:xfrm>
-          <a:prstGeom prst="rect">
-            <a:avLst/>
-          </a:prstGeom>
-        </p:spPr>
-        <p:txBody>
-          <a:bodyPr lIns="91425" tIns="45700" rIns="91425" bIns="45700" anchor="ctr" anchorCtr="0">
-            <a:noAutofit/>
-          </a:bodyPr>
-          <a:lstStyle/>
-          <a:p>
-            <a:pPr lvl="0">
-              <a:spcBef>
-                <a:spcPts val="0"/>
-              </a:spcBef>
-              <a:buClr>
-                <a:srgbClr val="000000"/>
-              </a:buClr>
-              <a:buSzPct val="25000"/>
-              <a:buFont typeface="Arial"/>
-              <a:buNone/>
-            </a:pPr>
-            <a:fld id="{00000000-1234-1234-1234-123412341234}" type="slidenum">
-              <a:rPr lang="en-US"/>
-              <a:t>10</a:t>
-            </a:fld>
-            <a:endParaRPr lang="en-US"/>
-          </a:p>
-        </p:txBody>
-      </p:sp>
-      <p:pic>
-        <p:nvPicPr>
-          <p:cNvPr id="4" name="Picture 3"/>
-          <p:cNvPicPr>
-            <a:picLocks noChangeAspect="1"/>
-          </p:cNvPicPr>
-          <p:nvPr/>
-        </p:nvPicPr>
-        <p:blipFill rotWithShape="1">
-          <a:blip r:embed="rId3">
-            <a:extLst>
-              <a:ext uri="{28A0092B-C50C-407E-A947-70E740481C1C}">
-                <a14:useLocalDpi xmlns:a14="http://schemas.microsoft.com/office/drawing/2010/main" val="0"/>
-              </a:ext>
-            </a:extLst>
-          </a:blip>
-          <a:srcRect l="79354"/>
-          <a:stretch/>
-        </p:blipFill>
-        <p:spPr>
-          <a:xfrm>
-            <a:off x="8016949" y="1786269"/>
-            <a:ext cx="1051442" cy="3200400"/>
-          </a:xfrm>
-          <a:prstGeom prst="rect">
-            <a:avLst/>
-          </a:prstGeom>
-        </p:spPr>
-      </p:pic>
-      <p:pic>
-        <p:nvPicPr>
-          <p:cNvPr id="5" name="Picture 4"/>
-          <p:cNvPicPr>
-            <a:picLocks noChangeAspect="1"/>
-          </p:cNvPicPr>
-          <p:nvPr/>
-        </p:nvPicPr>
-        <p:blipFill>
-          <a:blip r:embed="rId4">
-            <a:extLst>
-              <a:ext uri="{28A0092B-C50C-407E-A947-70E740481C1C}">
-                <a14:useLocalDpi xmlns:a14="http://schemas.microsoft.com/office/drawing/2010/main" val="0"/>
-              </a:ext>
-            </a:extLst>
-          </a:blip>
-          <a:stretch>
-            <a:fillRect/>
-          </a:stretch>
-        </p:blipFill>
-        <p:spPr>
-          <a:xfrm>
-            <a:off x="374958" y="1329956"/>
-            <a:ext cx="7641991" cy="4517951"/>
-          </a:xfrm>
-          <a:prstGeom prst="rect">
-            <a:avLst/>
-          </a:prstGeom>
-        </p:spPr>
-      </p:pic>
-    </p:spTree>
-    <p:extLst>
-      <p:ext uri="{BB962C8B-B14F-4D97-AF65-F5344CB8AC3E}">
-        <p14:creationId xmlns:p14="http://schemas.microsoft.com/office/powerpoint/2010/main" val="487495370"/>
       </p:ext>
     </p:extLst>
   </p:cSld>

--- a/GA_Final_presentation.pptx
+++ b/GA_Final_presentation.pptx
@@ -10654,8 +10654,8 @@
         </p:blipFill>
         <p:spPr>
           <a:xfrm>
-            <a:off x="374993" y="1180039"/>
-            <a:ext cx="8311807" cy="4784287"/>
+            <a:off x="74428" y="1007033"/>
+            <a:ext cx="8878185" cy="5110295"/>
           </a:xfrm>
           <a:prstGeom prst="rect">
             <a:avLst/>
@@ -10772,3382 +10772,1646 @@
       </p:sp>
       <p:graphicFrame>
         <p:nvGraphicFramePr>
-          <p:cNvPr id="7" name="Table 6"/>
+          <p:cNvPr id="5" name="Table 4"/>
           <p:cNvGraphicFramePr>
             <a:graphicFrameLocks noGrp="1"/>
           </p:cNvGraphicFramePr>
           <p:nvPr>
             <p:extLst>
               <p:ext uri="{D42A27DB-BD31-4B8C-83A1-F6EECF244321}">
-                <p14:modId xmlns:p14="http://schemas.microsoft.com/office/powerpoint/2010/main" val="1064488480"/>
+                <p14:modId xmlns:p14="http://schemas.microsoft.com/office/powerpoint/2010/main" val="1098252741"/>
               </p:ext>
             </p:extLst>
           </p:nvPr>
         </p:nvGraphicFramePr>
         <p:xfrm>
-          <a:off x="135822" y="978920"/>
-          <a:ext cx="3034890" cy="4966914"/>
+          <a:off x="869950" y="1678707"/>
+          <a:ext cx="7842507" cy="3180375"/>
         </p:xfrm>
         <a:graphic>
           <a:graphicData uri="http://schemas.openxmlformats.org/drawingml/2006/table">
             <a:tbl>
-              <a:tblPr/>
+              <a:tblPr>
+                <a:tableStyleId>{35758FB7-9AC5-4552-8A53-C91805E547FA}</a:tableStyleId>
+              </a:tblPr>
               <a:tblGrid>
-                <a:gridCol w="1517445"/>
-                <a:gridCol w="1517445"/>
+                <a:gridCol w="2661210"/>
+                <a:gridCol w="1370927"/>
+                <a:gridCol w="957633"/>
+                <a:gridCol w="1098757"/>
+                <a:gridCol w="876990"/>
+                <a:gridCol w="876990"/>
               </a:tblGrid>
-              <a:tr h="194592">
+              <a:tr h="289125">
                 <a:tc>
                   <a:txBody>
                     <a:bodyPr/>
                     <a:lstStyle/>
                     <a:p>
-                      <a:pPr algn="ctr" fontAlgn="ctr"/>
-                      <a:r>
-                        <a:rPr lang="en-US" sz="1200" b="1" dirty="0" smtClean="0">
-                          <a:effectLst/>
-                        </a:rPr>
-                        <a:t>Location</a:t>
-                      </a:r>
-                      <a:endParaRPr lang="en-US" sz="1200" b="1" dirty="0">
+                      <a:pPr algn="l" fontAlgn="b"/>
+                      <a:r>
+                        <a:rPr lang="en-US" sz="1200" b="1" u="none" strike="noStrike">
+                          <a:effectLst/>
+                        </a:rPr>
+                        <a:t>Venue</a:t>
+                      </a:r>
+                      <a:endParaRPr lang="en-US" sz="1200" b="1" i="0" u="none" strike="noStrike">
+                        <a:solidFill>
+                          <a:srgbClr val="000000"/>
+                        </a:solidFill>
                         <a:effectLst/>
+                        <a:latin typeface="Helvetica Neue" charset="0"/>
                       </a:endParaRPr>
                     </a:p>
                   </a:txBody>
-                  <a:tcPr marL="48065" marR="48065" marT="24032" marB="24032" anchor="ctr">
-                    <a:lnL>
-                      <a:noFill/>
-                    </a:lnL>
-                    <a:lnR>
-                      <a:noFill/>
-                    </a:lnR>
-                    <a:lnT>
-                      <a:noFill/>
-                    </a:lnT>
-                    <a:lnB>
-                      <a:noFill/>
-                    </a:lnB>
-                  </a:tcPr>
+                  <a:tcPr marL="6350" marR="6350" marT="6350" marB="0" anchor="ctr"/>
                 </a:tc>
                 <a:tc>
                   <a:txBody>
                     <a:bodyPr/>
                     <a:lstStyle/>
                     <a:p>
-                      <a:pPr algn="ctr" fontAlgn="ctr"/>
-                      <a:r>
-                        <a:rPr lang="en-US" sz="1200" b="1" dirty="0" smtClean="0">
-                          <a:effectLst/>
-                        </a:rPr>
-                        <a:t>Venue</a:t>
-                      </a:r>
-                      <a:endParaRPr lang="en-US" sz="1200" b="1" dirty="0">
+                      <a:pPr algn="l" fontAlgn="b"/>
+                      <a:r>
+                        <a:rPr lang="en-US" sz="1200" b="1" u="none" strike="noStrike">
+                          <a:effectLst/>
+                        </a:rPr>
+                        <a:t>Location</a:t>
+                      </a:r>
+                      <a:endParaRPr lang="en-US" sz="1200" b="1" i="0" u="none" strike="noStrike">
+                        <a:solidFill>
+                          <a:srgbClr val="000000"/>
+                        </a:solidFill>
                         <a:effectLst/>
+                        <a:latin typeface="Helvetica Neue" charset="0"/>
                       </a:endParaRPr>
                     </a:p>
                   </a:txBody>
-                  <a:tcPr marL="48065" marR="48065" marT="24032" marB="24032" anchor="ctr">
-                    <a:lnL>
-                      <a:noFill/>
-                    </a:lnL>
-                    <a:lnR>
-                      <a:noFill/>
-                    </a:lnR>
-                    <a:lnT>
-                      <a:noFill/>
-                    </a:lnT>
-                    <a:lnB>
-                      <a:noFill/>
-                    </a:lnB>
-                  </a:tcPr>
-                </a:tc>
-              </a:tr>
-              <a:tr h="327019">
-                <a:tc>
-                  <a:txBody>
-                    <a:bodyPr/>
-                    <a:lstStyle/>
-                    <a:p>
-                      <a:pPr algn="ctr" fontAlgn="t"/>
-                      <a:r>
-                        <a:rPr lang="en-US" sz="1200" b="0">
-                          <a:effectLst/>
-                        </a:rPr>
-                        <a:t>Chelsea</a:t>
-                      </a:r>
-                    </a:p>
-                  </a:txBody>
-                  <a:tcPr marL="48065" marR="48065" marT="24032" marB="24032" anchor="ctr">
-                    <a:lnL>
-                      <a:noFill/>
-                    </a:lnL>
-                    <a:lnR>
-                      <a:noFill/>
-                    </a:lnR>
-                    <a:lnT>
-                      <a:noFill/>
-                    </a:lnT>
-                    <a:lnB>
-                      <a:noFill/>
-                    </a:lnB>
-                    <a:solidFill>
-                      <a:srgbClr val="F5F5F5"/>
-                    </a:solidFill>
-                  </a:tcPr>
+                  <a:tcPr marL="6350" marR="6350" marT="6350" marB="0" anchor="ctr"/>
                 </a:tc>
                 <a:tc>
                   <a:txBody>
                     <a:bodyPr/>
                     <a:lstStyle/>
                     <a:p>
-                      <a:pPr algn="ctr" fontAlgn="t"/>
-                      <a:r>
-                        <a:rPr lang="en-US" sz="1200" b="0">
-                          <a:effectLst/>
-                        </a:rPr>
-                        <a:t>Peloton Cycling Studio</a:t>
-                      </a:r>
+                      <a:pPr algn="ctr" fontAlgn="b"/>
+                      <a:r>
+                        <a:rPr lang="en-US" sz="1200" b="1" u="none" strike="noStrike">
+                          <a:effectLst/>
+                        </a:rPr>
+                        <a:t>Expensive?</a:t>
+                      </a:r>
+                      <a:endParaRPr lang="en-US" sz="1200" b="1" i="0" u="none" strike="noStrike">
+                        <a:solidFill>
+                          <a:srgbClr val="000000"/>
+                        </a:solidFill>
+                        <a:effectLst/>
+                        <a:latin typeface="Helvetica Neue" charset="0"/>
+                      </a:endParaRPr>
                     </a:p>
                   </a:txBody>
-                  <a:tcPr marL="48065" marR="48065" marT="24032" marB="24032" anchor="ctr">
-                    <a:lnL>
-                      <a:noFill/>
-                    </a:lnL>
-                    <a:lnR>
-                      <a:noFill/>
-                    </a:lnR>
-                    <a:lnT>
-                      <a:noFill/>
-                    </a:lnT>
-                    <a:lnB>
-                      <a:noFill/>
-                    </a:lnB>
-                    <a:solidFill>
-                      <a:srgbClr val="F5F5F5"/>
-                    </a:solidFill>
-                  </a:tcPr>
-                </a:tc>
-              </a:tr>
-              <a:tr h="471538">
-                <a:tc>
-                  <a:txBody>
-                    <a:bodyPr/>
-                    <a:lstStyle/>
-                    <a:p>
-                      <a:pPr algn="ctr" fontAlgn="t"/>
-                      <a:r>
-                        <a:rPr lang="en-US" sz="1200" b="0">
-                          <a:effectLst/>
-                        </a:rPr>
-                        <a:t>Flatiron</a:t>
-                      </a:r>
-                    </a:p>
-                  </a:txBody>
-                  <a:tcPr marL="48065" marR="48065" marT="24032" marB="24032" anchor="ctr">
-                    <a:lnL>
-                      <a:noFill/>
-                    </a:lnL>
-                    <a:lnR>
-                      <a:noFill/>
-                    </a:lnR>
-                    <a:lnT>
-                      <a:noFill/>
-                    </a:lnT>
-                    <a:lnB>
-                      <a:noFill/>
-                    </a:lnB>
-                  </a:tcPr>
+                  <a:tcPr marL="6350" marR="6350" marT="6350" marB="0" anchor="ctr"/>
                 </a:tc>
                 <a:tc>
                   <a:txBody>
                     <a:bodyPr/>
                     <a:lstStyle/>
                     <a:p>
-                      <a:pPr algn="ctr" fontAlgn="t"/>
-                      <a:r>
-                        <a:rPr lang="en-US" sz="1200" b="0">
-                          <a:effectLst/>
-                        </a:rPr>
-                        <a:t>Flywheel Sports: Stadium Cycling</a:t>
-                      </a:r>
+                      <a:pPr algn="ctr" fontAlgn="b"/>
+                      <a:r>
+                        <a:rPr lang="en-US" sz="1200" b="1" u="none" strike="noStrike">
+                          <a:effectLst/>
+                        </a:rPr>
+                        <a:t>Highly rated?</a:t>
+                      </a:r>
+                      <a:endParaRPr lang="en-US" sz="1200" b="1" i="0" u="none" strike="noStrike">
+                        <a:solidFill>
+                          <a:srgbClr val="000000"/>
+                        </a:solidFill>
+                        <a:effectLst/>
+                        <a:latin typeface="Helvetica Neue" charset="0"/>
+                      </a:endParaRPr>
                     </a:p>
                   </a:txBody>
-                  <a:tcPr marL="48065" marR="48065" marT="24032" marB="24032" anchor="ctr">
-                    <a:lnL>
-                      <a:noFill/>
-                    </a:lnL>
-                    <a:lnR>
-                      <a:noFill/>
-                    </a:lnR>
-                    <a:lnT>
-                      <a:noFill/>
-                    </a:lnT>
-                    <a:lnB>
-                      <a:noFill/>
-                    </a:lnB>
-                  </a:tcPr>
-                </a:tc>
-              </a:tr>
-              <a:tr h="327019">
-                <a:tc>
-                  <a:txBody>
-                    <a:bodyPr/>
-                    <a:lstStyle/>
-                    <a:p>
-                      <a:pPr algn="ctr" fontAlgn="t"/>
-                      <a:r>
-                        <a:rPr lang="en-US" sz="1200" b="0">
-                          <a:effectLst/>
-                        </a:rPr>
-                        <a:t>Greenwich Village</a:t>
-                      </a:r>
-                    </a:p>
-                  </a:txBody>
-                  <a:tcPr marL="48065" marR="48065" marT="24032" marB="24032" anchor="ctr">
-                    <a:lnL>
-                      <a:noFill/>
-                    </a:lnL>
-                    <a:lnR>
-                      <a:noFill/>
-                    </a:lnR>
-                    <a:lnT>
-                      <a:noFill/>
-                    </a:lnT>
-                    <a:lnB>
-                      <a:noFill/>
-                    </a:lnB>
-                    <a:solidFill>
-                      <a:srgbClr val="F5F5F5"/>
-                    </a:solidFill>
-                  </a:tcPr>
+                  <a:tcPr marL="6350" marR="6350" marT="6350" marB="0" anchor="ctr"/>
                 </a:tc>
                 <a:tc>
                   <a:txBody>
                     <a:bodyPr/>
                     <a:lstStyle/>
                     <a:p>
-                      <a:pPr algn="ctr" fontAlgn="t"/>
-                      <a:r>
-                        <a:rPr lang="en-US" sz="1200" b="0">
-                          <a:effectLst/>
-                        </a:rPr>
-                        <a:t>Liftonic</a:t>
-                      </a:r>
+                      <a:pPr algn="ctr" fontAlgn="b"/>
+                      <a:r>
+                        <a:rPr lang="en-US" sz="1200" b="1" u="none" strike="noStrike">
+                          <a:effectLst/>
+                        </a:rPr>
+                        <a:t>Popular?</a:t>
+                      </a:r>
+                      <a:endParaRPr lang="en-US" sz="1200" b="1" i="0" u="none" strike="noStrike">
+                        <a:solidFill>
+                          <a:srgbClr val="000000"/>
+                        </a:solidFill>
+                        <a:effectLst/>
+                        <a:latin typeface="Helvetica Neue" charset="0"/>
+                      </a:endParaRPr>
                     </a:p>
                   </a:txBody>
-                  <a:tcPr marL="48065" marR="48065" marT="24032" marB="24032" anchor="ctr">
-                    <a:lnL>
-                      <a:noFill/>
-                    </a:lnL>
-                    <a:lnR>
-                      <a:noFill/>
-                    </a:lnR>
-                    <a:lnT>
-                      <a:noFill/>
-                    </a:lnT>
-                    <a:lnB>
-                      <a:noFill/>
-                    </a:lnB>
-                    <a:solidFill>
-                      <a:srgbClr val="F5F5F5"/>
-                    </a:solidFill>
-                  </a:tcPr>
-                </a:tc>
-              </a:tr>
-              <a:tr h="236940">
-                <a:tc>
-                  <a:txBody>
-                    <a:bodyPr/>
-                    <a:lstStyle/>
-                    <a:p>
-                      <a:pPr algn="ctr" fontAlgn="t"/>
-                      <a:r>
-                        <a:rPr lang="en-US" sz="1200" b="0">
-                          <a:effectLst/>
-                        </a:rPr>
-                        <a:t>Midtown</a:t>
-                      </a:r>
-                    </a:p>
-                  </a:txBody>
-                  <a:tcPr marL="48065" marR="48065" marT="24032" marB="24032" anchor="ctr">
-                    <a:lnL>
-                      <a:noFill/>
-                    </a:lnL>
-                    <a:lnR>
-                      <a:noFill/>
-                    </a:lnR>
-                    <a:lnT>
-                      <a:noFill/>
-                    </a:lnT>
-                    <a:lnB>
-                      <a:noFill/>
-                    </a:lnB>
-                  </a:tcPr>
+                  <a:tcPr marL="6350" marR="6350" marT="6350" marB="0" anchor="ctr"/>
                 </a:tc>
                 <a:tc>
                   <a:txBody>
                     <a:bodyPr/>
                     <a:lstStyle/>
                     <a:p>
-                      <a:pPr algn="ctr" fontAlgn="t"/>
-                      <a:r>
-                        <a:rPr lang="en-US" sz="1200" b="0">
-                          <a:effectLst/>
-                        </a:rPr>
-                        <a:t>Physique 57</a:t>
-                      </a:r>
+                      <a:pPr algn="ctr" fontAlgn="b"/>
+                      <a:r>
+                        <a:rPr lang="en-US" sz="1200" b="1" u="none" strike="noStrike" dirty="0">
+                          <a:effectLst/>
+                        </a:rPr>
+                        <a:t>Long?</a:t>
+                      </a:r>
+                      <a:endParaRPr lang="en-US" sz="1200" b="1" i="0" u="none" strike="noStrike" dirty="0">
+                        <a:solidFill>
+                          <a:srgbClr val="000000"/>
+                        </a:solidFill>
+                        <a:effectLst/>
+                        <a:latin typeface="Helvetica Neue" charset="0"/>
+                      </a:endParaRPr>
                     </a:p>
                   </a:txBody>
-                  <a:tcPr marL="48065" marR="48065" marT="24032" marB="24032" anchor="ctr">
-                    <a:lnL>
-                      <a:noFill/>
-                    </a:lnL>
-                    <a:lnR>
-                      <a:noFill/>
-                    </a:lnR>
-                    <a:lnT>
-                      <a:noFill/>
-                    </a:lnT>
-                    <a:lnB>
-                      <a:noFill/>
-                    </a:lnB>
-                  </a:tcPr>
+                  <a:tcPr marL="6350" marR="6350" marT="6350" marB="0" anchor="ctr"/>
                 </a:tc>
               </a:tr>
-              <a:tr h="327019">
+              <a:tr h="289125">
                 <a:tc>
                   <a:txBody>
                     <a:bodyPr/>
                     <a:lstStyle/>
                     <a:p>
-                      <a:pPr algn="ctr" fontAlgn="t"/>
-                      <a:r>
-                        <a:rPr lang="en-US" sz="1200" b="0">
-                          <a:effectLst/>
-                        </a:rPr>
-                        <a:t>Midtown East</a:t>
-                      </a:r>
+                      <a:pPr algn="l" fontAlgn="b"/>
+                      <a:r>
+                        <a:rPr lang="en-US" sz="1200" u="none" strike="noStrike">
+                          <a:effectLst/>
+                        </a:rPr>
+                        <a:t>Flywheel Sports: Stadium Cycling</a:t>
+                      </a:r>
+                      <a:endParaRPr lang="en-US" sz="1200" b="1" i="0" u="none" strike="noStrike">
+                        <a:solidFill>
+                          <a:srgbClr val="000000"/>
+                        </a:solidFill>
+                        <a:effectLst/>
+                        <a:latin typeface="Helvetica Neue" charset="0"/>
+                      </a:endParaRPr>
                     </a:p>
                   </a:txBody>
-                  <a:tcPr marL="48065" marR="48065" marT="24032" marB="24032" anchor="ctr">
-                    <a:lnL>
-                      <a:noFill/>
-                    </a:lnL>
-                    <a:lnR>
-                      <a:noFill/>
-                    </a:lnR>
-                    <a:lnT>
-                      <a:noFill/>
-                    </a:lnT>
-                    <a:lnB>
-                      <a:noFill/>
-                    </a:lnB>
-                    <a:solidFill>
-                      <a:srgbClr val="F5F5F5"/>
-                    </a:solidFill>
-                  </a:tcPr>
+                  <a:tcPr marL="6350" marR="6350" marT="6350" marB="0" anchor="ctr"/>
                 </a:tc>
                 <a:tc>
                   <a:txBody>
                     <a:bodyPr/>
                     <a:lstStyle/>
                     <a:p>
-                      <a:pPr algn="ctr" fontAlgn="t"/>
-                      <a:r>
-                        <a:rPr lang="en-US" sz="1200" b="0">
-                          <a:effectLst/>
-                        </a:rPr>
-                        <a:t>EverybodyFights</a:t>
-                      </a:r>
+                      <a:pPr algn="l" fontAlgn="b"/>
+                      <a:r>
+                        <a:rPr lang="en-US" sz="1200" u="none" strike="noStrike">
+                          <a:effectLst/>
+                        </a:rPr>
+                        <a:t>East Village</a:t>
+                      </a:r>
+                      <a:endParaRPr lang="en-US" sz="1200" b="1" i="0" u="none" strike="noStrike">
+                        <a:solidFill>
+                          <a:srgbClr val="000000"/>
+                        </a:solidFill>
+                        <a:effectLst/>
+                        <a:latin typeface="Helvetica Neue" charset="0"/>
+                      </a:endParaRPr>
                     </a:p>
                   </a:txBody>
-                  <a:tcPr marL="48065" marR="48065" marT="24032" marB="24032" anchor="ctr">
-                    <a:lnL>
-                      <a:noFill/>
-                    </a:lnL>
-                    <a:lnR>
-                      <a:noFill/>
-                    </a:lnR>
-                    <a:lnT>
-                      <a:noFill/>
-                    </a:lnT>
-                    <a:lnB>
-                      <a:noFill/>
-                    </a:lnB>
-                    <a:solidFill>
-                      <a:srgbClr val="F5F5F5"/>
-                    </a:solidFill>
-                  </a:tcPr>
-                </a:tc>
-              </a:tr>
-              <a:tr h="327019">
-                <a:tc>
-                  <a:txBody>
-                    <a:bodyPr/>
-                    <a:lstStyle/>
-                    <a:p>
-                      <a:pPr algn="ctr" fontAlgn="t"/>
-                      <a:r>
-                        <a:rPr lang="en-US" sz="1200" b="0">
-                          <a:effectLst/>
-                        </a:rPr>
-                        <a:t>NoHo</a:t>
-                      </a:r>
-                    </a:p>
-                  </a:txBody>
-                  <a:tcPr marL="48065" marR="48065" marT="24032" marB="24032" anchor="ctr">
-                    <a:lnL>
-                      <a:noFill/>
-                    </a:lnL>
-                    <a:lnR>
-                      <a:noFill/>
-                    </a:lnR>
-                    <a:lnT>
-                      <a:noFill/>
-                    </a:lnT>
-                    <a:lnB>
-                      <a:noFill/>
-                    </a:lnB>
-                  </a:tcPr>
+                  <a:tcPr marL="6350" marR="6350" marT="6350" marB="0" anchor="ctr"/>
                 </a:tc>
                 <a:tc>
                   <a:txBody>
                     <a:bodyPr/>
                     <a:lstStyle/>
                     <a:p>
-                      <a:pPr algn="ctr" fontAlgn="t"/>
-                      <a:r>
-                        <a:rPr lang="en-US" sz="1200" b="0">
-                          <a:effectLst/>
-                        </a:rPr>
-                        <a:t>Mile High Run Club</a:t>
-                      </a:r>
+                      <a:pPr algn="ctr" fontAlgn="b"/>
+                      <a:r>
+                        <a:rPr lang="sk-SK" sz="1200" u="none" strike="noStrike" dirty="0">
+                          <a:effectLst/>
+                        </a:rPr>
+                        <a:t> </a:t>
+                      </a:r>
+                      <a:r>
+                        <a:rPr lang="sk-SK" sz="1200" u="none" strike="noStrike" dirty="0" smtClean="0">
+                          <a:effectLst/>
+                        </a:rPr>
+                        <a:t>✔️</a:t>
+                      </a:r>
+                      <a:endParaRPr lang="sk-SK" sz="1200" b="0" i="0" u="none" strike="noStrike" dirty="0">
+                        <a:solidFill>
+                          <a:srgbClr val="000000"/>
+                        </a:solidFill>
+                        <a:effectLst/>
+                        <a:latin typeface="Helvetica Neue" charset="0"/>
+                      </a:endParaRPr>
                     </a:p>
                   </a:txBody>
-                  <a:tcPr marL="48065" marR="48065" marT="24032" marB="24032" anchor="ctr">
-                    <a:lnL>
-                      <a:noFill/>
-                    </a:lnL>
-                    <a:lnR>
-                      <a:noFill/>
-                    </a:lnR>
-                    <a:lnT>
-                      <a:noFill/>
-                    </a:lnT>
-                    <a:lnB>
-                      <a:noFill/>
-                    </a:lnB>
-                  </a:tcPr>
-                </a:tc>
-              </a:tr>
-              <a:tr h="327019">
-                <a:tc>
-                  <a:txBody>
-                    <a:bodyPr/>
-                    <a:lstStyle/>
-                    <a:p>
-                      <a:pPr algn="ctr" fontAlgn="t"/>
-                      <a:r>
-                        <a:rPr lang="en-US" sz="1200" b="0">
-                          <a:effectLst/>
-                        </a:rPr>
-                        <a:t>NoMad</a:t>
-                      </a:r>
-                    </a:p>
-                  </a:txBody>
-                  <a:tcPr marL="48065" marR="48065" marT="24032" marB="24032" anchor="ctr">
-                    <a:lnL>
-                      <a:noFill/>
-                    </a:lnL>
-                    <a:lnR>
-                      <a:noFill/>
-                    </a:lnR>
-                    <a:lnT>
-                      <a:noFill/>
-                    </a:lnT>
-                    <a:lnB>
-                      <a:noFill/>
-                    </a:lnB>
-                    <a:solidFill>
-                      <a:srgbClr val="F5F5F5"/>
-                    </a:solidFill>
-                  </a:tcPr>
+                  <a:tcPr marL="6350" marR="6350" marT="6350" marB="0" anchor="ctr"/>
                 </a:tc>
                 <a:tc>
                   <a:txBody>
                     <a:bodyPr/>
                     <a:lstStyle/>
                     <a:p>
-                      <a:pPr algn="ctr" fontAlgn="t"/>
-                      <a:r>
-                        <a:rPr lang="en-US" sz="1200" b="0">
-                          <a:effectLst/>
-                        </a:rPr>
-                        <a:t>Mile High Run Club</a:t>
-                      </a:r>
+                      <a:pPr algn="ctr" fontAlgn="b"/>
+                      <a:r>
+                        <a:rPr lang="sk-SK" sz="1200" u="none" strike="noStrike" smtClean="0">
+                          <a:effectLst/>
+                        </a:rPr>
+                        <a:t>✔️</a:t>
+                      </a:r>
+                      <a:endParaRPr lang="sk-SK" sz="1200" b="0" i="0" u="none" strike="noStrike" dirty="0">
+                        <a:solidFill>
+                          <a:srgbClr val="000000"/>
+                        </a:solidFill>
+                        <a:effectLst/>
+                        <a:latin typeface="Helvetica Neue" charset="0"/>
+                      </a:endParaRPr>
                     </a:p>
                   </a:txBody>
-                  <a:tcPr marL="48065" marR="48065" marT="24032" marB="24032" anchor="ctr">
-                    <a:lnL>
-                      <a:noFill/>
-                    </a:lnL>
-                    <a:lnR>
-                      <a:noFill/>
-                    </a:lnR>
-                    <a:lnT>
-                      <a:noFill/>
-                    </a:lnT>
-                    <a:lnB>
-                      <a:noFill/>
-                    </a:lnB>
-                    <a:solidFill>
-                      <a:srgbClr val="F5F5F5"/>
-                    </a:solidFill>
-                  </a:tcPr>
-                </a:tc>
-              </a:tr>
-              <a:tr h="236940">
-                <a:tc>
-                  <a:txBody>
-                    <a:bodyPr/>
-                    <a:lstStyle/>
-                    <a:p>
-                      <a:pPr algn="ctr" fontAlgn="t"/>
-                      <a:r>
-                        <a:rPr lang="en-US" sz="1200" b="0">
-                          <a:effectLst/>
-                        </a:rPr>
-                        <a:t>SoHo</a:t>
-                      </a:r>
-                    </a:p>
-                  </a:txBody>
-                  <a:tcPr marL="48065" marR="48065" marT="24032" marB="24032" anchor="ctr">
-                    <a:lnL>
-                      <a:noFill/>
-                    </a:lnL>
-                    <a:lnR>
-                      <a:noFill/>
-                    </a:lnR>
-                    <a:lnT>
-                      <a:noFill/>
-                    </a:lnT>
-                    <a:lnB>
-                      <a:noFill/>
-                    </a:lnB>
-                  </a:tcPr>
+                  <a:tcPr marL="6350" marR="6350" marT="6350" marB="0" anchor="ctr"/>
                 </a:tc>
                 <a:tc>
                   <a:txBody>
                     <a:bodyPr/>
                     <a:lstStyle/>
                     <a:p>
-                      <a:pPr algn="ctr" fontAlgn="t"/>
-                      <a:r>
-                        <a:rPr lang="en-US" sz="1200" b="0">
-                          <a:effectLst/>
-                        </a:rPr>
-                        <a:t>Physique 57</a:t>
-                      </a:r>
+                      <a:pPr algn="ctr" fontAlgn="b"/>
+                      <a:r>
+                        <a:rPr lang="sk-SK" sz="1200" u="none" strike="noStrike" smtClean="0">
+                          <a:effectLst/>
+                        </a:rPr>
+                        <a:t>✔️</a:t>
+                      </a:r>
+                      <a:endParaRPr lang="sk-SK" sz="1200" b="0" i="0" u="none" strike="noStrike" dirty="0">
+                        <a:solidFill>
+                          <a:srgbClr val="000000"/>
+                        </a:solidFill>
+                        <a:effectLst/>
+                        <a:latin typeface="Helvetica Neue" charset="0"/>
+                      </a:endParaRPr>
                     </a:p>
                   </a:txBody>
-                  <a:tcPr marL="48065" marR="48065" marT="24032" marB="24032" anchor="ctr">
-                    <a:lnL>
-                      <a:noFill/>
-                    </a:lnL>
-                    <a:lnR>
-                      <a:noFill/>
-                    </a:lnR>
-                    <a:lnT>
-                      <a:noFill/>
-                    </a:lnT>
-                    <a:lnB>
-                      <a:noFill/>
-                    </a:lnB>
-                  </a:tcPr>
-                </a:tc>
-              </a:tr>
-              <a:tr h="471538">
-                <a:tc>
-                  <a:txBody>
-                    <a:bodyPr/>
-                    <a:lstStyle/>
-                    <a:p>
-                      <a:pPr algn="ctr" fontAlgn="t"/>
-                      <a:r>
-                        <a:rPr lang="en-US" sz="1200" b="0">
-                          <a:effectLst/>
-                        </a:rPr>
-                        <a:t>Tribeca</a:t>
-                      </a:r>
-                    </a:p>
-                  </a:txBody>
-                  <a:tcPr marL="48065" marR="48065" marT="24032" marB="24032" anchor="ctr">
-                    <a:lnL>
-                      <a:noFill/>
-                    </a:lnL>
-                    <a:lnR>
-                      <a:noFill/>
-                    </a:lnR>
-                    <a:lnT>
-                      <a:noFill/>
-                    </a:lnT>
-                    <a:lnB>
-                      <a:noFill/>
-                    </a:lnB>
-                    <a:solidFill>
-                      <a:srgbClr val="F5F5F5"/>
-                    </a:solidFill>
-                  </a:tcPr>
+                  <a:tcPr marL="6350" marR="6350" marT="6350" marB="0" anchor="ctr"/>
                 </a:tc>
                 <a:tc>
                   <a:txBody>
                     <a:bodyPr/>
                     <a:lstStyle/>
                     <a:p>
-                      <a:pPr algn="ctr" fontAlgn="t"/>
-                      <a:r>
-                        <a:rPr lang="en-US" sz="1200" b="0">
-                          <a:effectLst/>
-                        </a:rPr>
-                        <a:t>Flywheel Sports: Stadium Cycling</a:t>
-                      </a:r>
+                      <a:pPr algn="ctr" fontAlgn="b"/>
+                      <a:r>
+                        <a:rPr lang="sk-SK" sz="1200" u="none" strike="noStrike" dirty="0">
+                          <a:effectLst/>
+                        </a:rPr>
+                        <a:t> </a:t>
+                      </a:r>
+                      <a:r>
+                        <a:rPr lang="sk-SK" sz="1200" u="none" strike="noStrike" dirty="0" smtClean="0">
+                          <a:effectLst/>
+                        </a:rPr>
+                        <a:t>✖️</a:t>
+                      </a:r>
+                      <a:endParaRPr lang="sk-SK" sz="1200" b="0" i="0" u="none" strike="noStrike" dirty="0">
+                        <a:solidFill>
+                          <a:srgbClr val="000000"/>
+                        </a:solidFill>
+                        <a:effectLst/>
+                        <a:latin typeface="Helvetica Neue" charset="0"/>
+                      </a:endParaRPr>
                     </a:p>
                   </a:txBody>
-                  <a:tcPr marL="48065" marR="48065" marT="24032" marB="24032" anchor="ctr">
-                    <a:lnL>
-                      <a:noFill/>
-                    </a:lnL>
-                    <a:lnR>
-                      <a:noFill/>
-                    </a:lnR>
-                    <a:lnT>
-                      <a:noFill/>
-                    </a:lnT>
-                    <a:lnB>
-                      <a:noFill/>
-                    </a:lnB>
-                    <a:solidFill>
-                      <a:srgbClr val="F5F5F5"/>
-                    </a:solidFill>
-                  </a:tcPr>
+                  <a:tcPr marL="6350" marR="6350" marT="6350" marB="0" anchor="ctr"/>
                 </a:tc>
               </a:tr>
-              <a:tr h="471538">
+              <a:tr h="289125">
                 <a:tc>
                   <a:txBody>
                     <a:bodyPr/>
                     <a:lstStyle/>
                     <a:p>
-                      <a:pPr algn="ctr" fontAlgn="t"/>
-                      <a:r>
-                        <a:rPr lang="en-US" sz="1200" b="0">
-                          <a:effectLst/>
-                        </a:rPr>
-                        <a:t>Union Square</a:t>
-                      </a:r>
+                      <a:pPr algn="l" fontAlgn="b"/>
+                      <a:r>
+                        <a:rPr lang="en-US" sz="1200" u="none" strike="noStrike">
+                          <a:effectLst/>
+                        </a:rPr>
+                        <a:t>Mile High Run Club</a:t>
+                      </a:r>
+                      <a:endParaRPr lang="en-US" sz="1200" b="1" i="0" u="none" strike="noStrike">
+                        <a:solidFill>
+                          <a:srgbClr val="000000"/>
+                        </a:solidFill>
+                        <a:effectLst/>
+                        <a:latin typeface="Helvetica Neue" charset="0"/>
+                      </a:endParaRPr>
                     </a:p>
                   </a:txBody>
-                  <a:tcPr marL="48065" marR="48065" marT="24032" marB="24032" anchor="ctr">
-                    <a:lnL>
-                      <a:noFill/>
-                    </a:lnL>
-                    <a:lnR>
-                      <a:noFill/>
-                    </a:lnR>
-                    <a:lnT>
-                      <a:noFill/>
-                    </a:lnT>
-                    <a:lnB>
-                      <a:noFill/>
-                    </a:lnB>
-                  </a:tcPr>
+                  <a:tcPr marL="6350" marR="6350" marT="6350" marB="0" anchor="ctr"/>
                 </a:tc>
                 <a:tc>
                   <a:txBody>
                     <a:bodyPr/>
                     <a:lstStyle/>
                     <a:p>
-                      <a:pPr algn="ctr" fontAlgn="t"/>
-                      <a:r>
-                        <a:rPr lang="en-US" sz="1200" b="0">
-                          <a:effectLst/>
-                        </a:rPr>
-                        <a:t>Switch Playground USA</a:t>
-                      </a:r>
+                      <a:pPr algn="l" fontAlgn="b"/>
+                      <a:r>
+                        <a:rPr lang="en-US" sz="1200" u="none" strike="noStrike">
+                          <a:effectLst/>
+                        </a:rPr>
+                        <a:t>NoMad</a:t>
+                      </a:r>
+                      <a:endParaRPr lang="en-US" sz="1200" b="1" i="0" u="none" strike="noStrike">
+                        <a:solidFill>
+                          <a:srgbClr val="000000"/>
+                        </a:solidFill>
+                        <a:effectLst/>
+                        <a:latin typeface="Helvetica Neue" charset="0"/>
+                      </a:endParaRPr>
                     </a:p>
                   </a:txBody>
-                  <a:tcPr marL="48065" marR="48065" marT="24032" marB="24032" anchor="ctr">
-                    <a:lnL>
-                      <a:noFill/>
-                    </a:lnL>
-                    <a:lnR>
-                      <a:noFill/>
-                    </a:lnR>
-                    <a:lnT>
-                      <a:noFill/>
-                    </a:lnT>
-                    <a:lnB>
-                      <a:noFill/>
-                    </a:lnB>
-                  </a:tcPr>
-                </a:tc>
-              </a:tr>
-              <a:tr h="327019">
-                <a:tc>
-                  <a:txBody>
-                    <a:bodyPr/>
-                    <a:lstStyle/>
-                    <a:p>
-                      <a:pPr algn="ctr" fontAlgn="t"/>
-                      <a:r>
-                        <a:rPr lang="en-US" sz="1200" b="0">
-                          <a:effectLst/>
-                        </a:rPr>
-                        <a:t>Upper East Side</a:t>
-                      </a:r>
-                    </a:p>
-                  </a:txBody>
-                  <a:tcPr marL="48065" marR="48065" marT="24032" marB="24032" anchor="ctr">
-                    <a:lnL>
-                      <a:noFill/>
-                    </a:lnL>
-                    <a:lnR>
-                      <a:noFill/>
-                    </a:lnR>
-                    <a:lnT>
-                      <a:noFill/>
-                    </a:lnT>
-                    <a:lnB>
-                      <a:noFill/>
-                    </a:lnB>
-                    <a:solidFill>
-                      <a:srgbClr val="F5F5F5"/>
-                    </a:solidFill>
-                  </a:tcPr>
+                  <a:tcPr marL="6350" marR="6350" marT="6350" marB="0" anchor="ctr"/>
                 </a:tc>
                 <a:tc>
                   <a:txBody>
                     <a:bodyPr/>
                     <a:lstStyle/>
                     <a:p>
-                      <a:pPr algn="ctr" fontAlgn="t"/>
-                      <a:r>
-                        <a:rPr lang="en-US" sz="1200" b="0" dirty="0">
-                          <a:effectLst/>
-                        </a:rPr>
-                        <a:t>Y7 Studio</a:t>
-                      </a:r>
+                      <a:pPr algn="ctr" fontAlgn="b"/>
+                      <a:r>
+                        <a:rPr lang="sk-SK" sz="1200" u="none" strike="noStrike" dirty="0">
+                          <a:effectLst/>
+                        </a:rPr>
+                        <a:t> </a:t>
+                      </a:r>
+                      <a:r>
+                        <a:rPr lang="sk-SK" sz="1200" u="none" strike="noStrike" dirty="0" smtClean="0">
+                          <a:effectLst/>
+                        </a:rPr>
+                        <a:t>✔️</a:t>
+                      </a:r>
+                      <a:endParaRPr lang="sk-SK" sz="1200" b="0" i="0" u="none" strike="noStrike" dirty="0">
+                        <a:solidFill>
+                          <a:srgbClr val="000000"/>
+                        </a:solidFill>
+                        <a:effectLst/>
+                        <a:latin typeface="Helvetica Neue" charset="0"/>
+                      </a:endParaRPr>
                     </a:p>
                   </a:txBody>
-                  <a:tcPr marL="48065" marR="48065" marT="24032" marB="24032" anchor="ctr">
-                    <a:lnL>
-                      <a:noFill/>
-                    </a:lnL>
-                    <a:lnR>
-                      <a:noFill/>
-                    </a:lnR>
-                    <a:lnT>
-                      <a:noFill/>
-                    </a:lnT>
-                    <a:lnB>
-                      <a:noFill/>
-                    </a:lnB>
-                    <a:solidFill>
-                      <a:srgbClr val="F5F5F5"/>
-                    </a:solidFill>
-                  </a:tcPr>
-                </a:tc>
-              </a:tr>
-              <a:tr h="327019">
-                <a:tc>
-                  <a:txBody>
-                    <a:bodyPr/>
-                    <a:lstStyle/>
-                    <a:p>
-                      <a:pPr algn="ctr" fontAlgn="t"/>
-                      <a:r>
-                        <a:rPr lang="en-US" sz="1200" b="0">
-                          <a:effectLst/>
-                        </a:rPr>
-                        <a:t>Upper West Side</a:t>
-                      </a:r>
-                    </a:p>
-                  </a:txBody>
-                  <a:tcPr marL="48065" marR="48065" marT="24032" marB="24032" anchor="ctr">
-                    <a:lnL>
-                      <a:noFill/>
-                    </a:lnL>
-                    <a:lnR>
-                      <a:noFill/>
-                    </a:lnR>
-                    <a:lnT>
-                      <a:noFill/>
-                    </a:lnT>
-                    <a:lnB>
-                      <a:noFill/>
-                    </a:lnB>
-                  </a:tcPr>
+                  <a:tcPr marL="6350" marR="6350" marT="6350" marB="0" anchor="ctr"/>
                 </a:tc>
                 <a:tc>
                   <a:txBody>
                     <a:bodyPr/>
                     <a:lstStyle/>
                     <a:p>
-                      <a:pPr algn="ctr" fontAlgn="t"/>
-                      <a:r>
-                        <a:rPr lang="en-US" sz="1200" b="0" dirty="0">
-                          <a:effectLst/>
-                        </a:rPr>
-                        <a:t>Physique 57</a:t>
-                      </a:r>
+                      <a:pPr algn="ctr" fontAlgn="b"/>
+                      <a:r>
+                        <a:rPr lang="sk-SK" sz="1200" u="none" strike="noStrike" smtClean="0">
+                          <a:effectLst/>
+                        </a:rPr>
+                        <a:t>✔️</a:t>
+                      </a:r>
+                      <a:endParaRPr lang="sk-SK" sz="1200" b="0" i="0" u="none" strike="noStrike" dirty="0">
+                        <a:solidFill>
+                          <a:srgbClr val="000000"/>
+                        </a:solidFill>
+                        <a:effectLst/>
+                        <a:latin typeface="Helvetica Neue" charset="0"/>
+                      </a:endParaRPr>
                     </a:p>
                   </a:txBody>
-                  <a:tcPr marL="48065" marR="48065" marT="24032" marB="24032" anchor="ctr">
-                    <a:lnL>
-                      <a:noFill/>
-                    </a:lnL>
-                    <a:lnR>
-                      <a:noFill/>
-                    </a:lnR>
-                    <a:lnT>
-                      <a:noFill/>
-                    </a:lnT>
-                    <a:lnB>
-                      <a:noFill/>
-                    </a:lnB>
-                  </a:tcPr>
-                </a:tc>
-              </a:tr>
-              <a:tr h="471538">
-                <a:tc>
-                  <a:txBody>
-                    <a:bodyPr/>
-                    <a:lstStyle/>
-                    <a:p>
-                      <a:pPr algn="ctr" fontAlgn="t"/>
-                      <a:r>
-                        <a:rPr lang="en-US" sz="1200" b="0">
-                          <a:effectLst/>
-                        </a:rPr>
-                        <a:t>Williamsburg</a:t>
-                      </a:r>
-                    </a:p>
-                  </a:txBody>
-                  <a:tcPr marL="48065" marR="48065" marT="24032" marB="24032" anchor="ctr">
-                    <a:lnL>
-                      <a:noFill/>
-                    </a:lnL>
-                    <a:lnR>
-                      <a:noFill/>
-                    </a:lnR>
-                    <a:lnT>
-                      <a:noFill/>
-                    </a:lnT>
-                    <a:lnB>
-                      <a:noFill/>
-                    </a:lnB>
-                    <a:solidFill>
-                      <a:srgbClr val="F5F5F5"/>
-                    </a:solidFill>
-                  </a:tcPr>
+                  <a:tcPr marL="6350" marR="6350" marT="6350" marB="0" anchor="ctr"/>
                 </a:tc>
                 <a:tc>
                   <a:txBody>
                     <a:bodyPr/>
                     <a:lstStyle/>
                     <a:p>
-                      <a:pPr algn="ctr" fontAlgn="t"/>
-                      <a:r>
-                        <a:rPr lang="en-US" sz="1200" b="0" dirty="0">
-                          <a:effectLst/>
-                        </a:rPr>
-                        <a:t>Flywheel Sports: Stadium Cycling</a:t>
-                      </a:r>
-                    </a:p>
-                  </a:txBody>
-                  <a:tcPr marL="48065" marR="48065" marT="24032" marB="24032" anchor="ctr">
-                    <a:lnL>
-                      <a:noFill/>
-                    </a:lnL>
-                    <a:lnR>
-                      <a:noFill/>
-                    </a:lnR>
-                    <a:lnT>
-                      <a:noFill/>
-                    </a:lnT>
-                    <a:lnB>
-                      <a:noFill/>
-                    </a:lnB>
-                    <a:solidFill>
-                      <a:srgbClr val="F5F5F5"/>
-                    </a:solidFill>
-                  </a:tcPr>
-                </a:tc>
-              </a:tr>
-            </a:tbl>
-          </a:graphicData>
-        </a:graphic>
-      </p:graphicFrame>
-      <p:graphicFrame>
-        <p:nvGraphicFramePr>
-          <p:cNvPr id="8" name="Table 7"/>
-          <p:cNvGraphicFramePr>
-            <a:graphicFrameLocks noGrp="1"/>
-          </p:cNvGraphicFramePr>
-          <p:nvPr>
-            <p:extLst>
-              <p:ext uri="{D42A27DB-BD31-4B8C-83A1-F6EECF244321}">
-                <p14:modId xmlns:p14="http://schemas.microsoft.com/office/powerpoint/2010/main" val="350213900"/>
-              </p:ext>
-            </p:extLst>
-          </p:nvPr>
-        </p:nvGraphicFramePr>
-        <p:xfrm>
-          <a:off x="3200313" y="1037633"/>
-          <a:ext cx="5943687" cy="4731996"/>
-        </p:xfrm>
-        <a:graphic>
-          <a:graphicData uri="http://schemas.openxmlformats.org/drawingml/2006/table">
-            <a:tbl>
-              <a:tblPr/>
-              <a:tblGrid>
-                <a:gridCol w="1651027"/>
-                <a:gridCol w="1113228"/>
-                <a:gridCol w="794858"/>
-                <a:gridCol w="794858"/>
-                <a:gridCol w="794858"/>
-                <a:gridCol w="794858"/>
-              </a:tblGrid>
-              <a:tr h="454987">
-                <a:tc>
-                  <a:txBody>
-                    <a:bodyPr/>
-                    <a:lstStyle/>
-                    <a:p>
-                      <a:pPr algn="ctr" fontAlgn="ctr"/>
-                      <a:r>
-                        <a:rPr lang="en-US" sz="1200" b="1" dirty="0" smtClean="0">
-                          <a:effectLst/>
-                        </a:rPr>
-                        <a:t>Venue</a:t>
-                      </a:r>
-                      <a:endParaRPr lang="en-US" sz="1200" b="1" dirty="0">
+                      <a:pPr algn="ctr" fontAlgn="b"/>
+                      <a:r>
+                        <a:rPr lang="sk-SK" sz="1200" u="none" strike="noStrike" smtClean="0">
+                          <a:effectLst/>
+                        </a:rPr>
+                        <a:t>✔️</a:t>
+                      </a:r>
+                      <a:endParaRPr lang="sk-SK" sz="1200" b="0" i="0" u="none" strike="noStrike" dirty="0">
+                        <a:solidFill>
+                          <a:srgbClr val="000000"/>
+                        </a:solidFill>
                         <a:effectLst/>
+                        <a:latin typeface="Helvetica Neue" charset="0"/>
                       </a:endParaRPr>
                     </a:p>
                   </a:txBody>
-                  <a:tcPr marL="27895" marR="27895" marT="13947" marB="13947" anchor="ctr">
-                    <a:lnL>
-                      <a:noFill/>
-                    </a:lnL>
-                    <a:lnR>
-                      <a:noFill/>
-                    </a:lnR>
-                    <a:lnT>
-                      <a:noFill/>
-                    </a:lnT>
-                    <a:lnB>
-                      <a:noFill/>
-                    </a:lnB>
-                  </a:tcPr>
+                  <a:tcPr marL="6350" marR="6350" marT="6350" marB="0" anchor="ctr"/>
                 </a:tc>
                 <a:tc>
                   <a:txBody>
                     <a:bodyPr/>
                     <a:lstStyle/>
                     <a:p>
-                      <a:pPr algn="ctr" fontAlgn="ctr"/>
-                      <a:r>
-                        <a:rPr lang="en-US" sz="1200" b="1" dirty="0" smtClean="0">
-                          <a:effectLst/>
-                        </a:rPr>
-                        <a:t>Location</a:t>
-                      </a:r>
-                      <a:endParaRPr lang="en-US" sz="1200" b="1" dirty="0">
+                      <a:pPr algn="ctr" fontAlgn="b"/>
+                      <a:r>
+                        <a:rPr lang="sk-SK" sz="1200" u="none" strike="noStrike" dirty="0">
+                          <a:effectLst/>
+                        </a:rPr>
+                        <a:t> </a:t>
+                      </a:r>
+                      <a:r>
+                        <a:rPr lang="sk-SK" sz="1200" u="none" strike="noStrike" dirty="0" smtClean="0">
+                          <a:effectLst/>
+                        </a:rPr>
+                        <a:t>✖️</a:t>
+                      </a:r>
+                      <a:endParaRPr lang="sk-SK" sz="1200" b="0" i="0" u="none" strike="noStrike" dirty="0">
+                        <a:solidFill>
+                          <a:srgbClr val="000000"/>
+                        </a:solidFill>
                         <a:effectLst/>
+                        <a:latin typeface="Helvetica Neue" charset="0"/>
                       </a:endParaRPr>
                     </a:p>
                   </a:txBody>
-                  <a:tcPr marL="27895" marR="27895" marT="13947" marB="13947" anchor="ctr">
-                    <a:lnL>
-                      <a:noFill/>
-                    </a:lnL>
-                    <a:lnR>
-                      <a:noFill/>
-                    </a:lnR>
-                    <a:lnT>
-                      <a:noFill/>
-                    </a:lnT>
-                    <a:lnB>
-                      <a:noFill/>
-                    </a:lnB>
-                  </a:tcPr>
+                  <a:tcPr marL="6350" marR="6350" marT="6350" marB="0" anchor="ctr"/>
+                </a:tc>
+              </a:tr>
+              <a:tr h="289125">
+                <a:tc>
+                  <a:txBody>
+                    <a:bodyPr/>
+                    <a:lstStyle/>
+                    <a:p>
+                      <a:pPr algn="l" fontAlgn="b"/>
+                      <a:r>
+                        <a:rPr lang="en-US" sz="1200" u="none" strike="noStrike">
+                          <a:effectLst/>
+                        </a:rPr>
+                        <a:t>Peloton Cycling Studio</a:t>
+                      </a:r>
+                      <a:endParaRPr lang="en-US" sz="1200" b="1" i="0" u="none" strike="noStrike">
+                        <a:solidFill>
+                          <a:srgbClr val="000000"/>
+                        </a:solidFill>
+                        <a:effectLst/>
+                        <a:latin typeface="Helvetica Neue" charset="0"/>
+                      </a:endParaRPr>
+                    </a:p>
+                  </a:txBody>
+                  <a:tcPr marL="6350" marR="6350" marT="6350" marB="0" anchor="ctr"/>
                 </a:tc>
                 <a:tc>
                   <a:txBody>
                     <a:bodyPr/>
                     <a:lstStyle/>
                     <a:p>
-                      <a:pPr algn="ctr" fontAlgn="ctr"/>
-                      <a:r>
-                        <a:rPr lang="en-US" sz="1200" b="1" dirty="0" smtClean="0">
-                          <a:effectLst/>
-                        </a:rPr>
-                        <a:t>Expensive</a:t>
-                      </a:r>
-                      <a:r>
-                        <a:rPr lang="en-US" sz="1200" b="1" dirty="0">
-                          <a:effectLst/>
-                        </a:rPr>
-                        <a:t>?</a:t>
-                      </a:r>
+                      <a:pPr algn="l" fontAlgn="b"/>
+                      <a:r>
+                        <a:rPr lang="en-US" sz="1200" u="none" strike="noStrike">
+                          <a:effectLst/>
+                        </a:rPr>
+                        <a:t>Chelsea</a:t>
+                      </a:r>
+                      <a:endParaRPr lang="en-US" sz="1200" b="1" i="0" u="none" strike="noStrike">
+                        <a:solidFill>
+                          <a:srgbClr val="000000"/>
+                        </a:solidFill>
+                        <a:effectLst/>
+                        <a:latin typeface="Helvetica Neue" charset="0"/>
+                      </a:endParaRPr>
                     </a:p>
                   </a:txBody>
-                  <a:tcPr anchor="ctr">
-                    <a:lnL>
-                      <a:noFill/>
-                    </a:lnL>
-                    <a:lnR>
-                      <a:noFill/>
-                    </a:lnR>
-                    <a:lnT>
-                      <a:noFill/>
-                    </a:lnT>
-                    <a:lnB>
-                      <a:noFill/>
-                    </a:lnB>
-                  </a:tcPr>
+                  <a:tcPr marL="6350" marR="6350" marT="6350" marB="0" anchor="ctr"/>
                 </a:tc>
                 <a:tc>
                   <a:txBody>
                     <a:bodyPr/>
                     <a:lstStyle/>
                     <a:p>
-                      <a:pPr algn="ctr" fontAlgn="ctr"/>
-                      <a:r>
-                        <a:rPr lang="en-US" sz="1200" b="1" dirty="0" smtClean="0">
-                          <a:effectLst/>
-                        </a:rPr>
-                        <a:t>Highly </a:t>
-                      </a:r>
-                      <a:r>
-                        <a:rPr lang="en-US" sz="1200" b="1" dirty="0">
-                          <a:effectLst/>
-                        </a:rPr>
-                        <a:t>rated?</a:t>
-                      </a:r>
+                      <a:pPr algn="ctr" fontAlgn="b"/>
+                      <a:r>
+                        <a:rPr lang="sk-SK" sz="1200" u="none" strike="noStrike" smtClean="0">
+                          <a:effectLst/>
+                        </a:rPr>
+                        <a:t>✔️</a:t>
+                      </a:r>
+                      <a:endParaRPr lang="sk-SK" sz="1200" b="0" i="0" u="none" strike="noStrike" dirty="0">
+                        <a:solidFill>
+                          <a:srgbClr val="000000"/>
+                        </a:solidFill>
+                        <a:effectLst/>
+                        <a:latin typeface="Helvetica Neue" charset="0"/>
+                      </a:endParaRPr>
                     </a:p>
                   </a:txBody>
-                  <a:tcPr anchor="ctr">
-                    <a:lnL>
-                      <a:noFill/>
-                    </a:lnL>
-                    <a:lnR>
-                      <a:noFill/>
-                    </a:lnR>
-                    <a:lnT>
-                      <a:noFill/>
-                    </a:lnT>
-                    <a:lnB>
-                      <a:noFill/>
-                    </a:lnB>
-                  </a:tcPr>
+                  <a:tcPr marL="6350" marR="6350" marT="6350" marB="0" anchor="ctr"/>
                 </a:tc>
                 <a:tc>
                   <a:txBody>
                     <a:bodyPr/>
                     <a:lstStyle/>
                     <a:p>
-                      <a:pPr algn="ctr" fontAlgn="ctr"/>
-                      <a:r>
-                        <a:rPr lang="en-US" sz="1200" b="1" dirty="0" smtClean="0">
-                          <a:effectLst/>
-                        </a:rPr>
-                        <a:t>Popular</a:t>
-                      </a:r>
-                      <a:r>
-                        <a:rPr lang="en-US" sz="1200" b="1" dirty="0">
-                          <a:effectLst/>
-                        </a:rPr>
-                        <a:t>?</a:t>
-                      </a:r>
+                      <a:pPr algn="ctr" fontAlgn="b"/>
+                      <a:r>
+                        <a:rPr lang="sk-SK" sz="1200" u="none" strike="noStrike" smtClean="0">
+                          <a:effectLst/>
+                        </a:rPr>
+                        <a:t>✔️</a:t>
+                      </a:r>
+                      <a:endParaRPr lang="sk-SK" sz="1200" b="0" i="0" u="none" strike="noStrike" dirty="0">
+                        <a:solidFill>
+                          <a:srgbClr val="000000"/>
+                        </a:solidFill>
+                        <a:effectLst/>
+                        <a:latin typeface="Helvetica Neue" charset="0"/>
+                      </a:endParaRPr>
                     </a:p>
                   </a:txBody>
-                  <a:tcPr anchor="ctr">
-                    <a:lnL>
-                      <a:noFill/>
-                    </a:lnL>
-                    <a:lnR>
-                      <a:noFill/>
-                    </a:lnR>
-                    <a:lnT>
-                      <a:noFill/>
-                    </a:lnT>
-                    <a:lnB>
-                      <a:noFill/>
-                    </a:lnB>
-                  </a:tcPr>
+                  <a:tcPr marL="6350" marR="6350" marT="6350" marB="0" anchor="ctr"/>
                 </a:tc>
                 <a:tc>
                   <a:txBody>
                     <a:bodyPr/>
                     <a:lstStyle/>
                     <a:p>
-                      <a:pPr algn="ctr" fontAlgn="ctr"/>
-                      <a:r>
-                        <a:rPr lang="en-US" sz="1200" b="1" dirty="0" smtClean="0">
-                          <a:effectLst/>
-                        </a:rPr>
-                        <a:t>Long</a:t>
-                      </a:r>
-                      <a:r>
-                        <a:rPr lang="en-US" sz="1200" b="1" dirty="0">
-                          <a:effectLst/>
-                        </a:rPr>
-                        <a:t>?</a:t>
-                      </a:r>
+                      <a:pPr algn="ctr" fontAlgn="b"/>
+                      <a:r>
+                        <a:rPr lang="sk-SK" sz="1200" u="none" strike="noStrike" smtClean="0">
+                          <a:effectLst/>
+                        </a:rPr>
+                        <a:t>✔️</a:t>
+                      </a:r>
+                      <a:endParaRPr lang="sk-SK" sz="1200" b="0" i="0" u="none" strike="noStrike" dirty="0">
+                        <a:solidFill>
+                          <a:srgbClr val="000000"/>
+                        </a:solidFill>
+                        <a:effectLst/>
+                        <a:latin typeface="Helvetica Neue" charset="0"/>
+                      </a:endParaRPr>
                     </a:p>
                   </a:txBody>
-                  <a:tcPr anchor="ctr">
-                    <a:lnL>
-                      <a:noFill/>
-                    </a:lnL>
-                    <a:lnR>
-                      <a:noFill/>
-                    </a:lnR>
-                    <a:lnT>
-                      <a:noFill/>
-                    </a:lnT>
-                    <a:lnB>
-                      <a:noFill/>
-                    </a:lnB>
-                  </a:tcPr>
-                </a:tc>
-              </a:tr>
-              <a:tr h="391748">
-                <a:tc>
-                  <a:txBody>
-                    <a:bodyPr/>
-                    <a:lstStyle/>
-                    <a:p>
-                      <a:pPr algn="ctr" fontAlgn="t"/>
-                      <a:r>
-                        <a:rPr lang="en-US" sz="1200" b="1" dirty="0">
-                          <a:effectLst/>
-                        </a:rPr>
-                        <a:t>Flywheel Sports: Stadium Cycling</a:t>
-                      </a:r>
-                    </a:p>
-                  </a:txBody>
-                  <a:tcPr marL="27895" marR="27895" marT="13947" marB="13947" anchor="ctr">
-                    <a:lnL>
-                      <a:noFill/>
-                    </a:lnL>
-                    <a:lnR>
-                      <a:noFill/>
-                    </a:lnR>
-                    <a:lnT>
-                      <a:noFill/>
-                    </a:lnT>
-                    <a:lnB>
-                      <a:noFill/>
-                    </a:lnB>
-                    <a:solidFill>
-                      <a:srgbClr val="F5F5F5"/>
-                    </a:solidFill>
-                  </a:tcPr>
+                  <a:tcPr marL="6350" marR="6350" marT="6350" marB="0" anchor="ctr"/>
                 </a:tc>
                 <a:tc>
                   <a:txBody>
                     <a:bodyPr/>
                     <a:lstStyle/>
                     <a:p>
-                      <a:pPr algn="ctr" fontAlgn="t"/>
-                      <a:r>
-                        <a:rPr lang="en-US" sz="1200" b="1">
-                          <a:effectLst/>
-                        </a:rPr>
-                        <a:t>East Village</a:t>
-                      </a:r>
+                      <a:pPr algn="ctr" fontAlgn="b"/>
+                      <a:r>
+                        <a:rPr lang="sk-SK" sz="1200" u="none" strike="noStrike" dirty="0">
+                          <a:effectLst/>
+                        </a:rPr>
+                        <a:t> </a:t>
+                      </a:r>
+                      <a:r>
+                        <a:rPr lang="sk-SK" sz="1200" u="none" strike="noStrike" dirty="0" smtClean="0">
+                          <a:effectLst/>
+                        </a:rPr>
+                        <a:t>✖️</a:t>
+                      </a:r>
+                      <a:endParaRPr lang="sk-SK" sz="1200" b="0" i="0" u="none" strike="noStrike" dirty="0">
+                        <a:solidFill>
+                          <a:srgbClr val="000000"/>
+                        </a:solidFill>
+                        <a:effectLst/>
+                        <a:latin typeface="Helvetica Neue" charset="0"/>
+                      </a:endParaRPr>
                     </a:p>
                   </a:txBody>
-                  <a:tcPr marL="27895" marR="27895" marT="13947" marB="13947" anchor="ctr">
-                    <a:lnL>
-                      <a:noFill/>
-                    </a:lnL>
-                    <a:lnR>
-                      <a:noFill/>
-                    </a:lnR>
-                    <a:lnT>
-                      <a:noFill/>
-                    </a:lnT>
-                    <a:lnB>
-                      <a:noFill/>
-                    </a:lnB>
-                    <a:solidFill>
-                      <a:srgbClr val="F5F5F5"/>
-                    </a:solidFill>
-                  </a:tcPr>
+                  <a:tcPr marL="6350" marR="6350" marT="6350" marB="0" anchor="ctr"/>
+                </a:tc>
+              </a:tr>
+              <a:tr h="289125">
+                <a:tc>
+                  <a:txBody>
+                    <a:bodyPr/>
+                    <a:lstStyle/>
+                    <a:p>
+                      <a:pPr algn="l" fontAlgn="b"/>
+                      <a:r>
+                        <a:rPr lang="en-US" sz="1200" u="none" strike="noStrike">
+                          <a:effectLst/>
+                        </a:rPr>
+                        <a:t>Mile High Run Club</a:t>
+                      </a:r>
+                      <a:endParaRPr lang="en-US" sz="1200" b="1" i="0" u="none" strike="noStrike">
+                        <a:solidFill>
+                          <a:srgbClr val="000000"/>
+                        </a:solidFill>
+                        <a:effectLst/>
+                        <a:latin typeface="Helvetica Neue" charset="0"/>
+                      </a:endParaRPr>
+                    </a:p>
+                  </a:txBody>
+                  <a:tcPr marL="6350" marR="6350" marT="6350" marB="0" anchor="ctr"/>
                 </a:tc>
                 <a:tc>
                   <a:txBody>
                     <a:bodyPr/>
                     <a:lstStyle/>
                     <a:p>
-                      <a:pPr algn="ctr" fontAlgn="ctr"/>
-                      <a:r>
-                        <a:rPr lang="en-US" sz="1200">
-                          <a:effectLst/>
-                        </a:rPr>
-                        <a:t>True</a:t>
-                      </a:r>
+                      <a:pPr algn="l" fontAlgn="b"/>
+                      <a:r>
+                        <a:rPr lang="en-US" sz="1200" u="none" strike="noStrike">
+                          <a:effectLst/>
+                        </a:rPr>
+                        <a:t>NoHo</a:t>
+                      </a:r>
+                      <a:endParaRPr lang="en-US" sz="1200" b="1" i="0" u="none" strike="noStrike">
+                        <a:solidFill>
+                          <a:srgbClr val="000000"/>
+                        </a:solidFill>
+                        <a:effectLst/>
+                        <a:latin typeface="Helvetica Neue" charset="0"/>
+                      </a:endParaRPr>
                     </a:p>
                   </a:txBody>
-                  <a:tcPr marL="27895" marR="27895" marT="13947" marB="13947" anchor="ctr">
-                    <a:lnL>
-                      <a:noFill/>
-                    </a:lnL>
-                    <a:lnR>
-                      <a:noFill/>
-                    </a:lnR>
-                    <a:lnT>
-                      <a:noFill/>
-                    </a:lnT>
-                    <a:lnB>
-                      <a:noFill/>
-                    </a:lnB>
-                    <a:solidFill>
-                      <a:srgbClr val="F5F5F5"/>
-                    </a:solidFill>
-                  </a:tcPr>
+                  <a:tcPr marL="6350" marR="6350" marT="6350" marB="0" anchor="ctr"/>
                 </a:tc>
                 <a:tc>
                   <a:txBody>
                     <a:bodyPr/>
                     <a:lstStyle/>
                     <a:p>
-                      <a:pPr algn="ctr" fontAlgn="ctr"/>
-                      <a:r>
-                        <a:rPr lang="en-US" sz="1200">
-                          <a:effectLst/>
-                        </a:rPr>
-                        <a:t>True</a:t>
-                      </a:r>
+                      <a:pPr algn="ctr" fontAlgn="b"/>
+                      <a:r>
+                        <a:rPr lang="sk-SK" sz="1200" u="none" strike="noStrike" smtClean="0">
+                          <a:effectLst/>
+                        </a:rPr>
+                        <a:t>✔️</a:t>
+                      </a:r>
+                      <a:endParaRPr lang="sk-SK" sz="1200" b="0" i="0" u="none" strike="noStrike" dirty="0">
+                        <a:solidFill>
+                          <a:srgbClr val="000000"/>
+                        </a:solidFill>
+                        <a:effectLst/>
+                        <a:latin typeface="Helvetica Neue" charset="0"/>
+                      </a:endParaRPr>
                     </a:p>
                   </a:txBody>
-                  <a:tcPr marL="27895" marR="27895" marT="13947" marB="13947" anchor="ctr">
-                    <a:lnL>
-                      <a:noFill/>
-                    </a:lnL>
-                    <a:lnR>
-                      <a:noFill/>
-                    </a:lnR>
-                    <a:lnT>
-                      <a:noFill/>
-                    </a:lnT>
-                    <a:lnB>
-                      <a:noFill/>
-                    </a:lnB>
-                    <a:solidFill>
-                      <a:srgbClr val="F5F5F5"/>
-                    </a:solidFill>
-                  </a:tcPr>
+                  <a:tcPr marL="6350" marR="6350" marT="6350" marB="0" anchor="ctr"/>
                 </a:tc>
                 <a:tc>
                   <a:txBody>
                     <a:bodyPr/>
                     <a:lstStyle/>
                     <a:p>
-                      <a:pPr algn="ctr" fontAlgn="ctr"/>
-                      <a:r>
-                        <a:rPr lang="en-US" sz="1200">
-                          <a:effectLst/>
-                        </a:rPr>
-                        <a:t>True</a:t>
-                      </a:r>
+                      <a:pPr algn="ctr" fontAlgn="b"/>
+                      <a:r>
+                        <a:rPr lang="sk-SK" sz="1200" u="none" strike="noStrike" smtClean="0">
+                          <a:effectLst/>
+                        </a:rPr>
+                        <a:t>✔️</a:t>
+                      </a:r>
+                      <a:endParaRPr lang="sk-SK" sz="1200" b="0" i="0" u="none" strike="noStrike">
+                        <a:solidFill>
+                          <a:srgbClr val="000000"/>
+                        </a:solidFill>
+                        <a:effectLst/>
+                        <a:latin typeface="Helvetica Neue" charset="0"/>
+                      </a:endParaRPr>
                     </a:p>
                   </a:txBody>
-                  <a:tcPr marL="27895" marR="27895" marT="13947" marB="13947" anchor="ctr">
-                    <a:lnL>
-                      <a:noFill/>
-                    </a:lnL>
-                    <a:lnR>
-                      <a:noFill/>
-                    </a:lnR>
-                    <a:lnT>
-                      <a:noFill/>
-                    </a:lnT>
-                    <a:lnB>
-                      <a:noFill/>
-                    </a:lnB>
-                    <a:solidFill>
-                      <a:srgbClr val="F5F5F5"/>
-                    </a:solidFill>
-                  </a:tcPr>
+                  <a:tcPr marL="6350" marR="6350" marT="6350" marB="0" anchor="ctr"/>
                 </a:tc>
                 <a:tc>
                   <a:txBody>
                     <a:bodyPr/>
                     <a:lstStyle/>
                     <a:p>
-                      <a:pPr algn="ctr" fontAlgn="ctr"/>
-                      <a:r>
-                        <a:rPr lang="en-US" sz="1200">
-                          <a:effectLst/>
-                        </a:rPr>
-                        <a:t>False</a:t>
-                      </a:r>
+                      <a:pPr algn="ctr" fontAlgn="b"/>
+                      <a:r>
+                        <a:rPr lang="sk-SK" sz="1200" u="none" strike="noStrike" smtClean="0">
+                          <a:effectLst/>
+                        </a:rPr>
+                        <a:t>✔️</a:t>
+                      </a:r>
+                      <a:endParaRPr lang="sk-SK" sz="1200" b="0" i="0" u="none" strike="noStrike" dirty="0">
+                        <a:solidFill>
+                          <a:srgbClr val="000000"/>
+                        </a:solidFill>
+                        <a:effectLst/>
+                        <a:latin typeface="Helvetica Neue" charset="0"/>
+                      </a:endParaRPr>
                     </a:p>
                   </a:txBody>
-                  <a:tcPr marL="27895" marR="27895" marT="13947" marB="13947" anchor="ctr">
-                    <a:lnL>
-                      <a:noFill/>
-                    </a:lnL>
-                    <a:lnR>
-                      <a:noFill/>
-                    </a:lnR>
-                    <a:lnT>
-                      <a:noFill/>
-                    </a:lnT>
-                    <a:lnB>
-                      <a:noFill/>
-                    </a:lnB>
-                    <a:solidFill>
-                      <a:srgbClr val="F5F5F5"/>
-                    </a:solidFill>
-                  </a:tcPr>
-                </a:tc>
-              </a:tr>
-              <a:tr h="281391">
-                <a:tc>
-                  <a:txBody>
-                    <a:bodyPr/>
-                    <a:lstStyle/>
-                    <a:p>
-                      <a:pPr algn="ctr" fontAlgn="t"/>
-                      <a:r>
-                        <a:rPr lang="en-US" sz="1200" b="1">
-                          <a:effectLst/>
-                        </a:rPr>
-                        <a:t>Mile High Run Club</a:t>
-                      </a:r>
-                    </a:p>
-                  </a:txBody>
-                  <a:tcPr marL="27895" marR="27895" marT="13947" marB="13947" anchor="ctr">
-                    <a:lnL>
-                      <a:noFill/>
-                    </a:lnL>
-                    <a:lnR>
-                      <a:noFill/>
-                    </a:lnR>
-                    <a:lnT>
-                      <a:noFill/>
-                    </a:lnT>
-                    <a:lnB>
-                      <a:noFill/>
-                    </a:lnB>
-                  </a:tcPr>
+                  <a:tcPr marL="6350" marR="6350" marT="6350" marB="0" anchor="ctr"/>
                 </a:tc>
                 <a:tc>
                   <a:txBody>
                     <a:bodyPr/>
                     <a:lstStyle/>
                     <a:p>
-                      <a:pPr algn="ctr" fontAlgn="t"/>
-                      <a:r>
-                        <a:rPr lang="en-US" sz="1200" b="1" dirty="0" err="1">
-                          <a:effectLst/>
-                        </a:rPr>
-                        <a:t>NoMad</a:t>
-                      </a:r>
-                      <a:endParaRPr lang="en-US" sz="1200" b="1" dirty="0">
+                      <a:pPr algn="ctr" fontAlgn="b"/>
+                      <a:r>
+                        <a:rPr lang="sk-SK" sz="1200" u="none" strike="noStrike" dirty="0">
+                          <a:effectLst/>
+                        </a:rPr>
+                        <a:t> </a:t>
+                      </a:r>
+                      <a:r>
+                        <a:rPr lang="sk-SK" sz="1200" u="none" strike="noStrike" dirty="0" smtClean="0">
+                          <a:effectLst/>
+                        </a:rPr>
+                        <a:t>✖️</a:t>
+                      </a:r>
+                      <a:endParaRPr lang="sk-SK" sz="1200" b="0" i="0" u="none" strike="noStrike" dirty="0">
+                        <a:solidFill>
+                          <a:srgbClr val="000000"/>
+                        </a:solidFill>
                         <a:effectLst/>
+                        <a:latin typeface="Helvetica Neue" charset="0"/>
                       </a:endParaRPr>
                     </a:p>
                   </a:txBody>
-                  <a:tcPr marL="27895" marR="27895" marT="13947" marB="13947" anchor="ctr">
-                    <a:lnL>
-                      <a:noFill/>
-                    </a:lnL>
-                    <a:lnR>
-                      <a:noFill/>
-                    </a:lnR>
-                    <a:lnT>
-                      <a:noFill/>
-                    </a:lnT>
-                    <a:lnB>
-                      <a:noFill/>
-                    </a:lnB>
-                  </a:tcPr>
+                  <a:tcPr marL="6350" marR="6350" marT="6350" marB="0" anchor="ctr"/>
+                </a:tc>
+              </a:tr>
+              <a:tr h="289125">
+                <a:tc>
+                  <a:txBody>
+                    <a:bodyPr/>
+                    <a:lstStyle/>
+                    <a:p>
+                      <a:pPr algn="l" fontAlgn="b"/>
+                      <a:r>
+                        <a:rPr lang="en-US" sz="1200" u="none" strike="noStrike">
+                          <a:effectLst/>
+                        </a:rPr>
+                        <a:t>Flywheel Sports: Stadium Cycling</a:t>
+                      </a:r>
+                      <a:endParaRPr lang="en-US" sz="1200" b="1" i="0" u="none" strike="noStrike">
+                        <a:solidFill>
+                          <a:srgbClr val="000000"/>
+                        </a:solidFill>
+                        <a:effectLst/>
+                        <a:latin typeface="Helvetica Neue" charset="0"/>
+                      </a:endParaRPr>
+                    </a:p>
+                  </a:txBody>
+                  <a:tcPr marL="6350" marR="6350" marT="6350" marB="0" anchor="ctr"/>
                 </a:tc>
                 <a:tc>
                   <a:txBody>
                     <a:bodyPr/>
                     <a:lstStyle/>
                     <a:p>
-                      <a:pPr algn="ctr" fontAlgn="ctr"/>
-                      <a:r>
-                        <a:rPr lang="en-US" sz="1200">
-                          <a:effectLst/>
-                        </a:rPr>
-                        <a:t>True</a:t>
-                      </a:r>
+                      <a:pPr algn="l" fontAlgn="b"/>
+                      <a:r>
+                        <a:rPr lang="en-US" sz="1200" u="none" strike="noStrike">
+                          <a:effectLst/>
+                        </a:rPr>
+                        <a:t>Flatiron</a:t>
+                      </a:r>
+                      <a:endParaRPr lang="en-US" sz="1200" b="1" i="0" u="none" strike="noStrike">
+                        <a:solidFill>
+                          <a:srgbClr val="000000"/>
+                        </a:solidFill>
+                        <a:effectLst/>
+                        <a:latin typeface="Helvetica Neue" charset="0"/>
+                      </a:endParaRPr>
                     </a:p>
                   </a:txBody>
-                  <a:tcPr marL="27895" marR="27895" marT="13947" marB="13947" anchor="ctr">
-                    <a:lnL>
-                      <a:noFill/>
-                    </a:lnL>
-                    <a:lnR>
-                      <a:noFill/>
-                    </a:lnR>
-                    <a:lnT>
-                      <a:noFill/>
-                    </a:lnT>
-                    <a:lnB>
-                      <a:noFill/>
-                    </a:lnB>
-                  </a:tcPr>
+                  <a:tcPr marL="6350" marR="6350" marT="6350" marB="0" anchor="ctr"/>
                 </a:tc>
                 <a:tc>
                   <a:txBody>
                     <a:bodyPr/>
                     <a:lstStyle/>
                     <a:p>
-                      <a:pPr algn="ctr" fontAlgn="ctr"/>
-                      <a:r>
-                        <a:rPr lang="en-US" sz="1200">
-                          <a:effectLst/>
-                        </a:rPr>
-                        <a:t>True</a:t>
-                      </a:r>
+                      <a:pPr algn="ctr" fontAlgn="b"/>
+                      <a:r>
+                        <a:rPr lang="sk-SK" sz="1200" u="none" strike="noStrike" dirty="0" smtClean="0">
+                          <a:effectLst/>
+                        </a:rPr>
+                        <a:t>✔️</a:t>
+                      </a:r>
+                      <a:endParaRPr lang="sk-SK" sz="1200" b="0" i="0" u="none" strike="noStrike" dirty="0">
+                        <a:solidFill>
+                          <a:srgbClr val="000000"/>
+                        </a:solidFill>
+                        <a:effectLst/>
+                        <a:latin typeface="Helvetica Neue" charset="0"/>
+                      </a:endParaRPr>
                     </a:p>
                   </a:txBody>
-                  <a:tcPr marL="27895" marR="27895" marT="13947" marB="13947" anchor="ctr">
-                    <a:lnL>
-                      <a:noFill/>
-                    </a:lnL>
-                    <a:lnR>
-                      <a:noFill/>
-                    </a:lnR>
-                    <a:lnT>
-                      <a:noFill/>
-                    </a:lnT>
-                    <a:lnB>
-                      <a:noFill/>
-                    </a:lnB>
-                  </a:tcPr>
+                  <a:tcPr marL="6350" marR="6350" marT="6350" marB="0" anchor="ctr"/>
                 </a:tc>
                 <a:tc>
                   <a:txBody>
                     <a:bodyPr/>
                     <a:lstStyle/>
                     <a:p>
-                      <a:pPr algn="ctr" fontAlgn="ctr"/>
-                      <a:r>
-                        <a:rPr lang="en-US" sz="1200">
-                          <a:effectLst/>
-                        </a:rPr>
-                        <a:t>True</a:t>
-                      </a:r>
+                      <a:pPr algn="ctr" fontAlgn="b"/>
+                      <a:r>
+                        <a:rPr lang="sk-SK" sz="1200" u="none" strike="noStrike" smtClean="0">
+                          <a:effectLst/>
+                        </a:rPr>
+                        <a:t>✔️</a:t>
+                      </a:r>
+                      <a:endParaRPr lang="sk-SK" sz="1200" b="0" i="0" u="none" strike="noStrike">
+                        <a:solidFill>
+                          <a:srgbClr val="000000"/>
+                        </a:solidFill>
+                        <a:effectLst/>
+                        <a:latin typeface="Helvetica Neue" charset="0"/>
+                      </a:endParaRPr>
                     </a:p>
                   </a:txBody>
-                  <a:tcPr marL="27895" marR="27895" marT="13947" marB="13947" anchor="ctr">
-                    <a:lnL>
-                      <a:noFill/>
-                    </a:lnL>
-                    <a:lnR>
-                      <a:noFill/>
-                    </a:lnR>
-                    <a:lnT>
-                      <a:noFill/>
-                    </a:lnT>
-                    <a:lnB>
-                      <a:noFill/>
-                    </a:lnB>
-                  </a:tcPr>
+                  <a:tcPr marL="6350" marR="6350" marT="6350" marB="0" anchor="ctr"/>
                 </a:tc>
                 <a:tc>
                   <a:txBody>
                     <a:bodyPr/>
                     <a:lstStyle/>
                     <a:p>
-                      <a:pPr algn="ctr" fontAlgn="ctr"/>
-                      <a:r>
-                        <a:rPr lang="en-US" sz="1200">
-                          <a:effectLst/>
-                        </a:rPr>
-                        <a:t>False</a:t>
-                      </a:r>
+                      <a:pPr algn="ctr" fontAlgn="b"/>
+                      <a:r>
+                        <a:rPr lang="sk-SK" sz="1200" u="none" strike="noStrike" smtClean="0">
+                          <a:effectLst/>
+                        </a:rPr>
+                        <a:t>✔️</a:t>
+                      </a:r>
+                      <a:endParaRPr lang="sk-SK" sz="1200" b="0" i="0" u="none" strike="noStrike" dirty="0">
+                        <a:solidFill>
+                          <a:srgbClr val="000000"/>
+                        </a:solidFill>
+                        <a:effectLst/>
+                        <a:latin typeface="Helvetica Neue" charset="0"/>
+                      </a:endParaRPr>
                     </a:p>
                   </a:txBody>
-                  <a:tcPr marL="27895" marR="27895" marT="13947" marB="13947" anchor="ctr">
-                    <a:lnL>
-                      <a:noFill/>
-                    </a:lnL>
-                    <a:lnR>
-                      <a:noFill/>
-                    </a:lnR>
-                    <a:lnT>
-                      <a:noFill/>
-                    </a:lnT>
-                    <a:lnB>
-                      <a:noFill/>
-                    </a:lnB>
-                  </a:tcPr>
-                </a:tc>
-              </a:tr>
-              <a:tr h="281391">
-                <a:tc>
-                  <a:txBody>
-                    <a:bodyPr/>
-                    <a:lstStyle/>
-                    <a:p>
-                      <a:pPr algn="ctr" fontAlgn="t"/>
-                      <a:r>
-                        <a:rPr lang="en-US" sz="1200" b="1">
-                          <a:effectLst/>
-                        </a:rPr>
-                        <a:t>Peloton Cycling Studio</a:t>
-                      </a:r>
-                    </a:p>
-                  </a:txBody>
-                  <a:tcPr marL="27895" marR="27895" marT="13947" marB="13947" anchor="ctr">
-                    <a:lnL>
-                      <a:noFill/>
-                    </a:lnL>
-                    <a:lnR>
-                      <a:noFill/>
-                    </a:lnR>
-                    <a:lnT>
-                      <a:noFill/>
-                    </a:lnT>
-                    <a:lnB>
-                      <a:noFill/>
-                    </a:lnB>
-                    <a:solidFill>
-                      <a:srgbClr val="F5F5F5"/>
-                    </a:solidFill>
-                  </a:tcPr>
+                  <a:tcPr marL="6350" marR="6350" marT="6350" marB="0" anchor="ctr"/>
                 </a:tc>
                 <a:tc>
                   <a:txBody>
                     <a:bodyPr/>
                     <a:lstStyle/>
                     <a:p>
-                      <a:pPr algn="ctr" fontAlgn="t"/>
-                      <a:r>
-                        <a:rPr lang="en-US" sz="1200" b="1" dirty="0">
-                          <a:effectLst/>
-                        </a:rPr>
-                        <a:t>Chelsea</a:t>
-                      </a:r>
+                      <a:pPr algn="ctr" fontAlgn="b"/>
+                      <a:r>
+                        <a:rPr lang="sk-SK" sz="1200" u="none" strike="noStrike" dirty="0">
+                          <a:effectLst/>
+                        </a:rPr>
+                        <a:t> </a:t>
+                      </a:r>
+                      <a:r>
+                        <a:rPr lang="sk-SK" sz="1200" u="none" strike="noStrike" dirty="0" smtClean="0">
+                          <a:effectLst/>
+                        </a:rPr>
+                        <a:t>✖️</a:t>
+                      </a:r>
+                      <a:endParaRPr lang="sk-SK" sz="1200" b="0" i="0" u="none" strike="noStrike" dirty="0">
+                        <a:solidFill>
+                          <a:srgbClr val="000000"/>
+                        </a:solidFill>
+                        <a:effectLst/>
+                        <a:latin typeface="Helvetica Neue" charset="0"/>
+                      </a:endParaRPr>
                     </a:p>
                   </a:txBody>
-                  <a:tcPr marL="27895" marR="27895" marT="13947" marB="13947" anchor="ctr">
-                    <a:lnL>
-                      <a:noFill/>
-                    </a:lnL>
-                    <a:lnR>
-                      <a:noFill/>
-                    </a:lnR>
-                    <a:lnT>
-                      <a:noFill/>
-                    </a:lnT>
-                    <a:lnB>
-                      <a:noFill/>
-                    </a:lnB>
-                    <a:solidFill>
-                      <a:srgbClr val="F5F5F5"/>
-                    </a:solidFill>
-                  </a:tcPr>
+                  <a:tcPr marL="6350" marR="6350" marT="6350" marB="0" anchor="ctr"/>
+                </a:tc>
+              </a:tr>
+              <a:tr h="289125">
+                <a:tc>
+                  <a:txBody>
+                    <a:bodyPr/>
+                    <a:lstStyle/>
+                    <a:p>
+                      <a:pPr algn="l" fontAlgn="b"/>
+                      <a:r>
+                        <a:rPr lang="en-US" sz="1200" u="none" strike="noStrike">
+                          <a:effectLst/>
+                        </a:rPr>
+                        <a:t>Physique 57</a:t>
+                      </a:r>
+                      <a:endParaRPr lang="en-US" sz="1200" b="1" i="0" u="none" strike="noStrike">
+                        <a:solidFill>
+                          <a:srgbClr val="000000"/>
+                        </a:solidFill>
+                        <a:effectLst/>
+                        <a:latin typeface="Helvetica Neue" charset="0"/>
+                      </a:endParaRPr>
+                    </a:p>
+                  </a:txBody>
+                  <a:tcPr marL="6350" marR="6350" marT="6350" marB="0" anchor="ctr"/>
                 </a:tc>
                 <a:tc>
                   <a:txBody>
                     <a:bodyPr/>
                     <a:lstStyle/>
                     <a:p>
-                      <a:pPr algn="ctr" fontAlgn="ctr"/>
-                      <a:r>
-                        <a:rPr lang="en-US" sz="1200">
-                          <a:effectLst/>
-                        </a:rPr>
-                        <a:t>True</a:t>
-                      </a:r>
+                      <a:pPr algn="l" fontAlgn="b"/>
+                      <a:r>
+                        <a:rPr lang="en-US" sz="1200" u="none" strike="noStrike">
+                          <a:effectLst/>
+                        </a:rPr>
+                        <a:t>SoHo</a:t>
+                      </a:r>
+                      <a:endParaRPr lang="en-US" sz="1200" b="1" i="0" u="none" strike="noStrike">
+                        <a:solidFill>
+                          <a:srgbClr val="000000"/>
+                        </a:solidFill>
+                        <a:effectLst/>
+                        <a:latin typeface="Helvetica Neue" charset="0"/>
+                      </a:endParaRPr>
                     </a:p>
                   </a:txBody>
-                  <a:tcPr marL="27895" marR="27895" marT="13947" marB="13947" anchor="ctr">
-                    <a:lnL>
-                      <a:noFill/>
-                    </a:lnL>
-                    <a:lnR>
-                      <a:noFill/>
-                    </a:lnR>
-                    <a:lnT>
-                      <a:noFill/>
-                    </a:lnT>
-                    <a:lnB>
-                      <a:noFill/>
-                    </a:lnB>
-                    <a:solidFill>
-                      <a:srgbClr val="F5F5F5"/>
-                    </a:solidFill>
-                  </a:tcPr>
+                  <a:tcPr marL="6350" marR="6350" marT="6350" marB="0" anchor="ctr"/>
                 </a:tc>
                 <a:tc>
                   <a:txBody>
                     <a:bodyPr/>
                     <a:lstStyle/>
                     <a:p>
-                      <a:pPr algn="ctr" fontAlgn="ctr"/>
-                      <a:r>
-                        <a:rPr lang="en-US" sz="1200">
-                          <a:effectLst/>
-                        </a:rPr>
-                        <a:t>True</a:t>
-                      </a:r>
+                      <a:pPr algn="ctr" fontAlgn="b"/>
+                      <a:r>
+                        <a:rPr lang="sk-SK" sz="1200" u="none" strike="noStrike" dirty="0" smtClean="0">
+                          <a:effectLst/>
+                        </a:rPr>
+                        <a:t>✔️</a:t>
+                      </a:r>
+                      <a:endParaRPr lang="sk-SK" sz="1200" b="0" i="0" u="none" strike="noStrike" dirty="0">
+                        <a:solidFill>
+                          <a:srgbClr val="000000"/>
+                        </a:solidFill>
+                        <a:effectLst/>
+                        <a:latin typeface="Helvetica Neue" charset="0"/>
+                      </a:endParaRPr>
                     </a:p>
                   </a:txBody>
-                  <a:tcPr marL="27895" marR="27895" marT="13947" marB="13947" anchor="ctr">
-                    <a:lnL>
-                      <a:noFill/>
-                    </a:lnL>
-                    <a:lnR>
-                      <a:noFill/>
-                    </a:lnR>
-                    <a:lnT>
-                      <a:noFill/>
-                    </a:lnT>
-                    <a:lnB>
-                      <a:noFill/>
-                    </a:lnB>
-                    <a:solidFill>
-                      <a:srgbClr val="F5F5F5"/>
-                    </a:solidFill>
-                  </a:tcPr>
+                  <a:tcPr marL="6350" marR="6350" marT="6350" marB="0" anchor="ctr"/>
                 </a:tc>
                 <a:tc>
                   <a:txBody>
                     <a:bodyPr/>
                     <a:lstStyle/>
                     <a:p>
-                      <a:pPr algn="ctr" fontAlgn="ctr"/>
-                      <a:r>
-                        <a:rPr lang="en-US" sz="1200">
-                          <a:effectLst/>
-                        </a:rPr>
-                        <a:t>True</a:t>
-                      </a:r>
+                      <a:pPr algn="ctr" fontAlgn="b"/>
+                      <a:r>
+                        <a:rPr lang="sk-SK" sz="1200" u="none" strike="noStrike" smtClean="0">
+                          <a:effectLst/>
+                        </a:rPr>
+                        <a:t>✔️</a:t>
+                      </a:r>
+                      <a:endParaRPr lang="sk-SK" sz="1200" b="0" i="0" u="none" strike="noStrike">
+                        <a:solidFill>
+                          <a:srgbClr val="000000"/>
+                        </a:solidFill>
+                        <a:effectLst/>
+                        <a:latin typeface="Helvetica Neue" charset="0"/>
+                      </a:endParaRPr>
                     </a:p>
                   </a:txBody>
-                  <a:tcPr marL="27895" marR="27895" marT="13947" marB="13947" anchor="ctr">
-                    <a:lnL>
-                      <a:noFill/>
-                    </a:lnL>
-                    <a:lnR>
-                      <a:noFill/>
-                    </a:lnR>
-                    <a:lnT>
-                      <a:noFill/>
-                    </a:lnT>
-                    <a:lnB>
-                      <a:noFill/>
-                    </a:lnB>
-                    <a:solidFill>
-                      <a:srgbClr val="F5F5F5"/>
-                    </a:solidFill>
-                  </a:tcPr>
+                  <a:tcPr marL="6350" marR="6350" marT="6350" marB="0" anchor="ctr"/>
                 </a:tc>
                 <a:tc>
                   <a:txBody>
                     <a:bodyPr/>
                     <a:lstStyle/>
                     <a:p>
-                      <a:pPr algn="ctr" fontAlgn="ctr"/>
-                      <a:r>
-                        <a:rPr lang="en-US" sz="1200">
-                          <a:effectLst/>
-                        </a:rPr>
-                        <a:t>False</a:t>
-                      </a:r>
+                      <a:pPr algn="ctr" fontAlgn="b"/>
+                      <a:r>
+                        <a:rPr lang="sk-SK" sz="1200" u="none" strike="noStrike" smtClean="0">
+                          <a:effectLst/>
+                        </a:rPr>
+                        <a:t>✔️</a:t>
+                      </a:r>
+                      <a:endParaRPr lang="sk-SK" sz="1200" b="0" i="0" u="none" strike="noStrike" dirty="0">
+                        <a:solidFill>
+                          <a:srgbClr val="000000"/>
+                        </a:solidFill>
+                        <a:effectLst/>
+                        <a:latin typeface="Helvetica Neue" charset="0"/>
+                      </a:endParaRPr>
                     </a:p>
                   </a:txBody>
-                  <a:tcPr marL="27895" marR="27895" marT="13947" marB="13947" anchor="ctr">
-                    <a:lnL>
-                      <a:noFill/>
-                    </a:lnL>
-                    <a:lnR>
-                      <a:noFill/>
-                    </a:lnR>
-                    <a:lnT>
-                      <a:noFill/>
-                    </a:lnT>
-                    <a:lnB>
-                      <a:noFill/>
-                    </a:lnB>
-                    <a:solidFill>
-                      <a:srgbClr val="F5F5F5"/>
-                    </a:solidFill>
-                  </a:tcPr>
-                </a:tc>
-              </a:tr>
-              <a:tr h="281391">
-                <a:tc>
-                  <a:txBody>
-                    <a:bodyPr/>
-                    <a:lstStyle/>
-                    <a:p>
-                      <a:pPr algn="ctr" fontAlgn="t"/>
-                      <a:r>
-                        <a:rPr lang="en-US" sz="1200" b="1">
-                          <a:effectLst/>
-                        </a:rPr>
-                        <a:t>Mile High Run Club</a:t>
-                      </a:r>
-                    </a:p>
-                  </a:txBody>
-                  <a:tcPr marL="27895" marR="27895" marT="13947" marB="13947" anchor="ctr">
-                    <a:lnL>
-                      <a:noFill/>
-                    </a:lnL>
-                    <a:lnR>
-                      <a:noFill/>
-                    </a:lnR>
-                    <a:lnT>
-                      <a:noFill/>
-                    </a:lnT>
-                    <a:lnB>
-                      <a:noFill/>
-                    </a:lnB>
-                  </a:tcPr>
+                  <a:tcPr marL="6350" marR="6350" marT="6350" marB="0" anchor="ctr"/>
                 </a:tc>
                 <a:tc>
                   <a:txBody>
                     <a:bodyPr/>
                     <a:lstStyle/>
                     <a:p>
-                      <a:pPr algn="ctr" fontAlgn="t"/>
-                      <a:r>
-                        <a:rPr lang="en-US" sz="1200" b="1" dirty="0">
-                          <a:effectLst/>
-                        </a:rPr>
-                        <a:t>NoHo</a:t>
-                      </a:r>
+                      <a:pPr algn="ctr" fontAlgn="b"/>
+                      <a:r>
+                        <a:rPr lang="sk-SK" sz="1200" u="none" strike="noStrike" dirty="0" smtClean="0">
+                          <a:effectLst/>
+                        </a:rPr>
+                        <a:t>✔️</a:t>
+                      </a:r>
+                      <a:r>
+                        <a:rPr lang="sk-SK" sz="1200" u="none" strike="noStrike" dirty="0">
+                          <a:effectLst/>
+                        </a:rPr>
+                        <a:t> </a:t>
+                      </a:r>
+                      <a:endParaRPr lang="sk-SK" sz="1200" b="0" i="0" u="none" strike="noStrike" dirty="0">
+                        <a:solidFill>
+                          <a:srgbClr val="000000"/>
+                        </a:solidFill>
+                        <a:effectLst/>
+                        <a:latin typeface="Helvetica Neue" charset="0"/>
+                      </a:endParaRPr>
                     </a:p>
                   </a:txBody>
-                  <a:tcPr marL="27895" marR="27895" marT="13947" marB="13947" anchor="ctr">
-                    <a:lnL>
-                      <a:noFill/>
-                    </a:lnL>
-                    <a:lnR>
-                      <a:noFill/>
-                    </a:lnR>
-                    <a:lnT>
-                      <a:noFill/>
-                    </a:lnT>
-                    <a:lnB>
-                      <a:noFill/>
-                    </a:lnB>
-                  </a:tcPr>
+                  <a:tcPr marL="6350" marR="6350" marT="6350" marB="0" anchor="ctr"/>
+                </a:tc>
+              </a:tr>
+              <a:tr h="289125">
+                <a:tc>
+                  <a:txBody>
+                    <a:bodyPr/>
+                    <a:lstStyle/>
+                    <a:p>
+                      <a:pPr algn="l" fontAlgn="b"/>
+                      <a:r>
+                        <a:rPr lang="en-US" sz="1200" u="none" strike="noStrike">
+                          <a:effectLst/>
+                        </a:rPr>
+                        <a:t>Flywheel Sports: Stadium Cycling</a:t>
+                      </a:r>
+                      <a:endParaRPr lang="en-US" sz="1200" b="1" i="0" u="none" strike="noStrike">
+                        <a:solidFill>
+                          <a:srgbClr val="000000"/>
+                        </a:solidFill>
+                        <a:effectLst/>
+                        <a:latin typeface="Helvetica Neue" charset="0"/>
+                      </a:endParaRPr>
+                    </a:p>
+                  </a:txBody>
+                  <a:tcPr marL="6350" marR="6350" marT="6350" marB="0" anchor="ctr"/>
                 </a:tc>
                 <a:tc>
                   <a:txBody>
                     <a:bodyPr/>
                     <a:lstStyle/>
                     <a:p>
-                      <a:pPr algn="ctr" fontAlgn="ctr"/>
-                      <a:r>
-                        <a:rPr lang="en-US" sz="1200" dirty="0">
-                          <a:effectLst/>
-                        </a:rPr>
-                        <a:t>True</a:t>
-                      </a:r>
+                      <a:pPr algn="l" fontAlgn="b"/>
+                      <a:r>
+                        <a:rPr lang="en-US" sz="1200" u="none" strike="noStrike">
+                          <a:effectLst/>
+                        </a:rPr>
+                        <a:t>NoMad</a:t>
+                      </a:r>
+                      <a:endParaRPr lang="en-US" sz="1200" b="1" i="0" u="none" strike="noStrike">
+                        <a:solidFill>
+                          <a:srgbClr val="000000"/>
+                        </a:solidFill>
+                        <a:effectLst/>
+                        <a:latin typeface="Helvetica Neue" charset="0"/>
+                      </a:endParaRPr>
                     </a:p>
                   </a:txBody>
-                  <a:tcPr marL="27895" marR="27895" marT="13947" marB="13947" anchor="ctr">
-                    <a:lnL>
-                      <a:noFill/>
-                    </a:lnL>
-                    <a:lnR>
-                      <a:noFill/>
-                    </a:lnR>
-                    <a:lnT>
-                      <a:noFill/>
-                    </a:lnT>
-                    <a:lnB>
-                      <a:noFill/>
-                    </a:lnB>
-                  </a:tcPr>
+                  <a:tcPr marL="6350" marR="6350" marT="6350" marB="0" anchor="ctr"/>
                 </a:tc>
                 <a:tc>
                   <a:txBody>
                     <a:bodyPr/>
                     <a:lstStyle/>
                     <a:p>
-                      <a:pPr algn="ctr" fontAlgn="ctr"/>
-                      <a:r>
-                        <a:rPr lang="en-US" sz="1200">
-                          <a:effectLst/>
-                        </a:rPr>
-                        <a:t>True</a:t>
-                      </a:r>
+                      <a:pPr algn="ctr" fontAlgn="b"/>
+                      <a:r>
+                        <a:rPr lang="sk-SK" sz="1200" u="none" strike="noStrike" smtClean="0">
+                          <a:effectLst/>
+                        </a:rPr>
+                        <a:t>✔️</a:t>
+                      </a:r>
+                      <a:endParaRPr lang="sk-SK" sz="1200" b="0" i="0" u="none" strike="noStrike" dirty="0">
+                        <a:solidFill>
+                          <a:srgbClr val="000000"/>
+                        </a:solidFill>
+                        <a:effectLst/>
+                        <a:latin typeface="Helvetica Neue" charset="0"/>
+                      </a:endParaRPr>
                     </a:p>
                   </a:txBody>
-                  <a:tcPr marL="27895" marR="27895" marT="13947" marB="13947" anchor="ctr">
-                    <a:lnL>
-                      <a:noFill/>
-                    </a:lnL>
-                    <a:lnR>
-                      <a:noFill/>
-                    </a:lnR>
-                    <a:lnT>
-                      <a:noFill/>
-                    </a:lnT>
-                    <a:lnB>
-                      <a:noFill/>
-                    </a:lnB>
-                  </a:tcPr>
+                  <a:tcPr marL="6350" marR="6350" marT="6350" marB="0" anchor="ctr"/>
                 </a:tc>
                 <a:tc>
                   <a:txBody>
                     <a:bodyPr/>
                     <a:lstStyle/>
                     <a:p>
-                      <a:pPr algn="ctr" fontAlgn="ctr"/>
-                      <a:r>
-                        <a:rPr lang="en-US" sz="1200">
-                          <a:effectLst/>
-                        </a:rPr>
-                        <a:t>True</a:t>
-                      </a:r>
+                      <a:pPr algn="ctr" fontAlgn="b"/>
+                      <a:r>
+                        <a:rPr lang="sk-SK" sz="1200" u="none" strike="noStrike" smtClean="0">
+                          <a:effectLst/>
+                        </a:rPr>
+                        <a:t>✔️</a:t>
+                      </a:r>
+                      <a:endParaRPr lang="sk-SK" sz="1200" b="0" i="0" u="none" strike="noStrike">
+                        <a:solidFill>
+                          <a:srgbClr val="000000"/>
+                        </a:solidFill>
+                        <a:effectLst/>
+                        <a:latin typeface="Helvetica Neue" charset="0"/>
+                      </a:endParaRPr>
                     </a:p>
                   </a:txBody>
-                  <a:tcPr marL="27895" marR="27895" marT="13947" marB="13947" anchor="ctr">
-                    <a:lnL>
-                      <a:noFill/>
-                    </a:lnL>
-                    <a:lnR>
-                      <a:noFill/>
-                    </a:lnR>
-                    <a:lnT>
-                      <a:noFill/>
-                    </a:lnT>
-                    <a:lnB>
-                      <a:noFill/>
-                    </a:lnB>
-                  </a:tcPr>
+                  <a:tcPr marL="6350" marR="6350" marT="6350" marB="0" anchor="ctr"/>
                 </a:tc>
                 <a:tc>
                   <a:txBody>
                     <a:bodyPr/>
                     <a:lstStyle/>
                     <a:p>
-                      <a:pPr algn="ctr" fontAlgn="ctr"/>
-                      <a:r>
-                        <a:rPr lang="en-US" sz="1200">
-                          <a:effectLst/>
-                        </a:rPr>
-                        <a:t>False</a:t>
-                      </a:r>
+                      <a:pPr algn="ctr" fontAlgn="b"/>
+                      <a:r>
+                        <a:rPr lang="sk-SK" sz="1200" u="none" strike="noStrike" smtClean="0">
+                          <a:effectLst/>
+                        </a:rPr>
+                        <a:t>✔️</a:t>
+                      </a:r>
+                      <a:endParaRPr lang="sk-SK" sz="1200" b="0" i="0" u="none" strike="noStrike" dirty="0">
+                        <a:solidFill>
+                          <a:srgbClr val="000000"/>
+                        </a:solidFill>
+                        <a:effectLst/>
+                        <a:latin typeface="Helvetica Neue" charset="0"/>
+                      </a:endParaRPr>
                     </a:p>
                   </a:txBody>
-                  <a:tcPr marL="27895" marR="27895" marT="13947" marB="13947" anchor="ctr">
-                    <a:lnL>
-                      <a:noFill/>
-                    </a:lnL>
-                    <a:lnR>
-                      <a:noFill/>
-                    </a:lnR>
-                    <a:lnT>
-                      <a:noFill/>
-                    </a:lnT>
-                    <a:lnB>
-                      <a:noFill/>
-                    </a:lnB>
-                  </a:tcPr>
-                </a:tc>
-              </a:tr>
-              <a:tr h="391748">
-                <a:tc>
-                  <a:txBody>
-                    <a:bodyPr/>
-                    <a:lstStyle/>
-                    <a:p>
-                      <a:pPr algn="ctr" fontAlgn="t"/>
-                      <a:r>
-                        <a:rPr lang="en-US" sz="1200" b="1">
-                          <a:effectLst/>
-                        </a:rPr>
-                        <a:t>Flywheel Sports: Stadium Cycling</a:t>
-                      </a:r>
-                    </a:p>
-                  </a:txBody>
-                  <a:tcPr marL="27895" marR="27895" marT="13947" marB="13947" anchor="ctr">
-                    <a:lnL>
-                      <a:noFill/>
-                    </a:lnL>
-                    <a:lnR>
-                      <a:noFill/>
-                    </a:lnR>
-                    <a:lnT>
-                      <a:noFill/>
-                    </a:lnT>
-                    <a:lnB>
-                      <a:noFill/>
-                    </a:lnB>
-                    <a:solidFill>
-                      <a:srgbClr val="F5F5F5"/>
-                    </a:solidFill>
-                  </a:tcPr>
+                  <a:tcPr marL="6350" marR="6350" marT="6350" marB="0" anchor="ctr"/>
                 </a:tc>
                 <a:tc>
                   <a:txBody>
                     <a:bodyPr/>
                     <a:lstStyle/>
                     <a:p>
-                      <a:pPr algn="ctr" fontAlgn="t"/>
-                      <a:r>
-                        <a:rPr lang="en-US" sz="1200" b="1">
-                          <a:effectLst/>
-                        </a:rPr>
-                        <a:t>Flatiron</a:t>
-                      </a:r>
+                      <a:pPr algn="ctr" fontAlgn="b"/>
+                      <a:r>
+                        <a:rPr lang="sk-SK" sz="1200" u="none" strike="noStrike" dirty="0">
+                          <a:effectLst/>
+                        </a:rPr>
+                        <a:t> </a:t>
+                      </a:r>
+                      <a:r>
+                        <a:rPr lang="sk-SK" sz="1200" u="none" strike="noStrike" dirty="0" smtClean="0">
+                          <a:effectLst/>
+                        </a:rPr>
+                        <a:t>✖️</a:t>
+                      </a:r>
+                      <a:endParaRPr lang="sk-SK" sz="1200" b="0" i="0" u="none" strike="noStrike" dirty="0">
+                        <a:solidFill>
+                          <a:srgbClr val="000000"/>
+                        </a:solidFill>
+                        <a:effectLst/>
+                        <a:latin typeface="Helvetica Neue" charset="0"/>
+                      </a:endParaRPr>
                     </a:p>
                   </a:txBody>
-                  <a:tcPr marL="27895" marR="27895" marT="13947" marB="13947" anchor="ctr">
-                    <a:lnL>
-                      <a:noFill/>
-                    </a:lnL>
-                    <a:lnR>
-                      <a:noFill/>
-                    </a:lnR>
-                    <a:lnT>
-                      <a:noFill/>
-                    </a:lnT>
-                    <a:lnB>
-                      <a:noFill/>
-                    </a:lnB>
-                    <a:solidFill>
-                      <a:srgbClr val="F5F5F5"/>
-                    </a:solidFill>
-                  </a:tcPr>
+                  <a:tcPr marL="6350" marR="6350" marT="6350" marB="0" anchor="ctr"/>
+                </a:tc>
+              </a:tr>
+              <a:tr h="289125">
+                <a:tc>
+                  <a:txBody>
+                    <a:bodyPr/>
+                    <a:lstStyle/>
+                    <a:p>
+                      <a:pPr algn="l" fontAlgn="b"/>
+                      <a:r>
+                        <a:rPr lang="en-US" sz="1200" u="none" strike="noStrike">
+                          <a:effectLst/>
+                        </a:rPr>
+                        <a:t>Switch Playground USA</a:t>
+                      </a:r>
+                      <a:endParaRPr lang="en-US" sz="1200" b="1" i="0" u="none" strike="noStrike">
+                        <a:solidFill>
+                          <a:srgbClr val="000000"/>
+                        </a:solidFill>
+                        <a:effectLst/>
+                        <a:latin typeface="Helvetica Neue" charset="0"/>
+                      </a:endParaRPr>
+                    </a:p>
+                  </a:txBody>
+                  <a:tcPr marL="6350" marR="6350" marT="6350" marB="0" anchor="ctr"/>
                 </a:tc>
                 <a:tc>
                   <a:txBody>
                     <a:bodyPr/>
                     <a:lstStyle/>
                     <a:p>
-                      <a:pPr algn="ctr" fontAlgn="ctr"/>
-                      <a:r>
-                        <a:rPr lang="en-US" sz="1200" dirty="0">
-                          <a:effectLst/>
-                        </a:rPr>
-                        <a:t>True</a:t>
-                      </a:r>
+                      <a:pPr algn="l" fontAlgn="b"/>
+                      <a:r>
+                        <a:rPr lang="en-US" sz="1200" u="none" strike="noStrike" dirty="0">
+                          <a:effectLst/>
+                        </a:rPr>
+                        <a:t>Union Square</a:t>
+                      </a:r>
+                      <a:endParaRPr lang="en-US" sz="1200" b="1" i="0" u="none" strike="noStrike" dirty="0">
+                        <a:solidFill>
+                          <a:srgbClr val="000000"/>
+                        </a:solidFill>
+                        <a:effectLst/>
+                        <a:latin typeface="Helvetica Neue" charset="0"/>
+                      </a:endParaRPr>
                     </a:p>
                   </a:txBody>
-                  <a:tcPr marL="27895" marR="27895" marT="13947" marB="13947" anchor="ctr">
-                    <a:lnL>
-                      <a:noFill/>
-                    </a:lnL>
-                    <a:lnR>
-                      <a:noFill/>
-                    </a:lnR>
-                    <a:lnT>
-                      <a:noFill/>
-                    </a:lnT>
-                    <a:lnB>
-                      <a:noFill/>
-                    </a:lnB>
-                    <a:solidFill>
-                      <a:srgbClr val="F5F5F5"/>
-                    </a:solidFill>
-                  </a:tcPr>
+                  <a:tcPr marL="6350" marR="6350" marT="6350" marB="0" anchor="ctr"/>
                 </a:tc>
                 <a:tc>
                   <a:txBody>
                     <a:bodyPr/>
                     <a:lstStyle/>
                     <a:p>
-                      <a:pPr algn="ctr" fontAlgn="ctr"/>
-                      <a:r>
-                        <a:rPr lang="en-US" sz="1200">
-                          <a:effectLst/>
-                        </a:rPr>
-                        <a:t>True</a:t>
-                      </a:r>
+                      <a:pPr algn="ctr" fontAlgn="b"/>
+                      <a:r>
+                        <a:rPr lang="sk-SK" sz="1200" u="none" strike="noStrike" smtClean="0">
+                          <a:effectLst/>
+                        </a:rPr>
+                        <a:t>✔️</a:t>
+                      </a:r>
+                      <a:endParaRPr lang="sk-SK" sz="1200" b="0" i="0" u="none" strike="noStrike" dirty="0">
+                        <a:solidFill>
+                          <a:srgbClr val="000000"/>
+                        </a:solidFill>
+                        <a:effectLst/>
+                        <a:latin typeface="Helvetica Neue" charset="0"/>
+                      </a:endParaRPr>
                     </a:p>
                   </a:txBody>
-                  <a:tcPr marL="27895" marR="27895" marT="13947" marB="13947" anchor="ctr">
-                    <a:lnL>
-                      <a:noFill/>
-                    </a:lnL>
-                    <a:lnR>
-                      <a:noFill/>
-                    </a:lnR>
-                    <a:lnT>
-                      <a:noFill/>
-                    </a:lnT>
-                    <a:lnB>
-                      <a:noFill/>
-                    </a:lnB>
-                    <a:solidFill>
-                      <a:srgbClr val="F5F5F5"/>
-                    </a:solidFill>
-                  </a:tcPr>
+                  <a:tcPr marL="6350" marR="6350" marT="6350" marB="0" anchor="ctr"/>
                 </a:tc>
                 <a:tc>
                   <a:txBody>
                     <a:bodyPr/>
                     <a:lstStyle/>
                     <a:p>
-                      <a:pPr algn="ctr" fontAlgn="ctr"/>
-                      <a:r>
-                        <a:rPr lang="en-US" sz="1200">
-                          <a:effectLst/>
-                        </a:rPr>
-                        <a:t>True</a:t>
-                      </a:r>
+                      <a:pPr algn="ctr" fontAlgn="b"/>
+                      <a:r>
+                        <a:rPr lang="sk-SK" sz="1200" u="none" strike="noStrike" smtClean="0">
+                          <a:effectLst/>
+                        </a:rPr>
+                        <a:t>✔️</a:t>
+                      </a:r>
+                      <a:endParaRPr lang="sk-SK" sz="1200" b="0" i="0" u="none" strike="noStrike">
+                        <a:solidFill>
+                          <a:srgbClr val="000000"/>
+                        </a:solidFill>
+                        <a:effectLst/>
+                        <a:latin typeface="Helvetica Neue" charset="0"/>
+                      </a:endParaRPr>
                     </a:p>
                   </a:txBody>
-                  <a:tcPr marL="27895" marR="27895" marT="13947" marB="13947" anchor="ctr">
-                    <a:lnL>
-                      <a:noFill/>
-                    </a:lnL>
-                    <a:lnR>
-                      <a:noFill/>
-                    </a:lnR>
-                    <a:lnT>
-                      <a:noFill/>
-                    </a:lnT>
-                    <a:lnB>
-                      <a:noFill/>
-                    </a:lnB>
-                    <a:solidFill>
-                      <a:srgbClr val="F5F5F5"/>
-                    </a:solidFill>
-                  </a:tcPr>
+                  <a:tcPr marL="6350" marR="6350" marT="6350" marB="0" anchor="ctr"/>
                 </a:tc>
                 <a:tc>
                   <a:txBody>
                     <a:bodyPr/>
                     <a:lstStyle/>
                     <a:p>
-                      <a:pPr algn="ctr" fontAlgn="ctr"/>
-                      <a:r>
-                        <a:rPr lang="en-US" sz="1200">
-                          <a:effectLst/>
-                        </a:rPr>
-                        <a:t>False</a:t>
-                      </a:r>
+                      <a:pPr algn="ctr" fontAlgn="b"/>
+                      <a:r>
+                        <a:rPr lang="sk-SK" sz="1200" u="none" strike="noStrike" smtClean="0">
+                          <a:effectLst/>
+                        </a:rPr>
+                        <a:t>✔️</a:t>
+                      </a:r>
+                      <a:endParaRPr lang="sk-SK" sz="1200" b="0" i="0" u="none" strike="noStrike" dirty="0">
+                        <a:solidFill>
+                          <a:srgbClr val="000000"/>
+                        </a:solidFill>
+                        <a:effectLst/>
+                        <a:latin typeface="Helvetica Neue" charset="0"/>
+                      </a:endParaRPr>
                     </a:p>
                   </a:txBody>
-                  <a:tcPr marL="27895" marR="27895" marT="13947" marB="13947" anchor="ctr">
-                    <a:lnL>
-                      <a:noFill/>
-                    </a:lnL>
-                    <a:lnR>
-                      <a:noFill/>
-                    </a:lnR>
-                    <a:lnT>
-                      <a:noFill/>
-                    </a:lnT>
-                    <a:lnB>
-                      <a:noFill/>
-                    </a:lnB>
-                    <a:solidFill>
-                      <a:srgbClr val="F5F5F5"/>
-                    </a:solidFill>
-                  </a:tcPr>
-                </a:tc>
-              </a:tr>
-              <a:tr h="281391">
-                <a:tc>
-                  <a:txBody>
-                    <a:bodyPr/>
-                    <a:lstStyle/>
-                    <a:p>
-                      <a:pPr algn="ctr" fontAlgn="t"/>
-                      <a:r>
-                        <a:rPr lang="en-US" sz="1200" b="1">
-                          <a:effectLst/>
-                        </a:rPr>
-                        <a:t>Physique 57</a:t>
-                      </a:r>
-                    </a:p>
-                  </a:txBody>
-                  <a:tcPr marL="27895" marR="27895" marT="13947" marB="13947" anchor="ctr">
-                    <a:lnL>
-                      <a:noFill/>
-                    </a:lnL>
-                    <a:lnR>
-                      <a:noFill/>
-                    </a:lnR>
-                    <a:lnT>
-                      <a:noFill/>
-                    </a:lnT>
-                    <a:lnB>
-                      <a:noFill/>
-                    </a:lnB>
-                  </a:tcPr>
+                  <a:tcPr marL="6350" marR="6350" marT="6350" marB="0" anchor="ctr"/>
                 </a:tc>
                 <a:tc>
                   <a:txBody>
                     <a:bodyPr/>
                     <a:lstStyle/>
                     <a:p>
-                      <a:pPr algn="ctr" fontAlgn="t"/>
-                      <a:r>
-                        <a:rPr lang="en-US" sz="1200" b="1">
-                          <a:effectLst/>
-                        </a:rPr>
-                        <a:t>SoHo</a:t>
-                      </a:r>
+                      <a:pPr algn="ctr" fontAlgn="b"/>
+                      <a:r>
+                        <a:rPr lang="sk-SK" sz="1200" u="none" strike="noStrike" dirty="0">
+                          <a:effectLst/>
+                        </a:rPr>
+                        <a:t> </a:t>
+                      </a:r>
+                      <a:r>
+                        <a:rPr lang="sk-SK" sz="1200" u="none" strike="noStrike" dirty="0" smtClean="0">
+                          <a:effectLst/>
+                        </a:rPr>
+                        <a:t>✖️</a:t>
+                      </a:r>
+                      <a:endParaRPr lang="sk-SK" sz="1200" b="0" i="0" u="none" strike="noStrike" dirty="0">
+                        <a:solidFill>
+                          <a:srgbClr val="000000"/>
+                        </a:solidFill>
+                        <a:effectLst/>
+                        <a:latin typeface="Helvetica Neue" charset="0"/>
+                      </a:endParaRPr>
                     </a:p>
                   </a:txBody>
-                  <a:tcPr marL="27895" marR="27895" marT="13947" marB="13947" anchor="ctr">
-                    <a:lnL>
-                      <a:noFill/>
-                    </a:lnL>
-                    <a:lnR>
-                      <a:noFill/>
-                    </a:lnR>
-                    <a:lnT>
-                      <a:noFill/>
-                    </a:lnT>
-                    <a:lnB>
-                      <a:noFill/>
-                    </a:lnB>
-                  </a:tcPr>
+                  <a:tcPr marL="6350" marR="6350" marT="6350" marB="0" anchor="ctr"/>
+                </a:tc>
+              </a:tr>
+              <a:tr h="289125">
+                <a:tc>
+                  <a:txBody>
+                    <a:bodyPr/>
+                    <a:lstStyle/>
+                    <a:p>
+                      <a:pPr algn="l" fontAlgn="b"/>
+                      <a:r>
+                        <a:rPr lang="en-US" sz="1200" u="none" strike="noStrike">
+                          <a:effectLst/>
+                        </a:rPr>
+                        <a:t>Flywheel Sports: Stadium Cycling</a:t>
+                      </a:r>
+                      <a:endParaRPr lang="en-US" sz="1200" b="1" i="0" u="none" strike="noStrike">
+                        <a:solidFill>
+                          <a:srgbClr val="000000"/>
+                        </a:solidFill>
+                        <a:effectLst/>
+                        <a:latin typeface="Helvetica Neue" charset="0"/>
+                      </a:endParaRPr>
+                    </a:p>
+                  </a:txBody>
+                  <a:tcPr marL="6350" marR="6350" marT="6350" marB="0" anchor="ctr"/>
                 </a:tc>
                 <a:tc>
                   <a:txBody>
                     <a:bodyPr/>
                     <a:lstStyle/>
                     <a:p>
-                      <a:pPr algn="ctr" fontAlgn="ctr"/>
-                      <a:r>
-                        <a:rPr lang="en-US" sz="1200" dirty="0">
-                          <a:effectLst/>
-                        </a:rPr>
-                        <a:t>True</a:t>
-                      </a:r>
+                      <a:pPr algn="l" fontAlgn="b"/>
+                      <a:r>
+                        <a:rPr lang="en-US" sz="1200" u="none" strike="noStrike">
+                          <a:effectLst/>
+                        </a:rPr>
+                        <a:t>Chelsea</a:t>
+                      </a:r>
+                      <a:endParaRPr lang="en-US" sz="1200" b="1" i="0" u="none" strike="noStrike">
+                        <a:solidFill>
+                          <a:srgbClr val="000000"/>
+                        </a:solidFill>
+                        <a:effectLst/>
+                        <a:latin typeface="Helvetica Neue" charset="0"/>
+                      </a:endParaRPr>
                     </a:p>
                   </a:txBody>
-                  <a:tcPr marL="27895" marR="27895" marT="13947" marB="13947" anchor="ctr">
-                    <a:lnL>
-                      <a:noFill/>
-                    </a:lnL>
-                    <a:lnR>
-                      <a:noFill/>
-                    </a:lnR>
-                    <a:lnT>
-                      <a:noFill/>
-                    </a:lnT>
-                    <a:lnB>
-                      <a:noFill/>
-                    </a:lnB>
-                  </a:tcPr>
+                  <a:tcPr marL="6350" marR="6350" marT="6350" marB="0" anchor="ctr"/>
                 </a:tc>
                 <a:tc>
                   <a:txBody>
                     <a:bodyPr/>
                     <a:lstStyle/>
                     <a:p>
-                      <a:pPr algn="ctr" fontAlgn="ctr"/>
-                      <a:r>
-                        <a:rPr lang="en-US" sz="1200">
-                          <a:effectLst/>
-                        </a:rPr>
-                        <a:t>True</a:t>
-                      </a:r>
+                      <a:pPr algn="ctr" fontAlgn="b"/>
+                      <a:r>
+                        <a:rPr lang="sk-SK" sz="1200" u="none" strike="noStrike" dirty="0" smtClean="0">
+                          <a:effectLst/>
+                        </a:rPr>
+                        <a:t>✔️</a:t>
+                      </a:r>
+                      <a:endParaRPr lang="sk-SK" sz="1200" b="0" i="0" u="none" strike="noStrike" dirty="0">
+                        <a:solidFill>
+                          <a:srgbClr val="000000"/>
+                        </a:solidFill>
+                        <a:effectLst/>
+                        <a:latin typeface="Helvetica Neue" charset="0"/>
+                      </a:endParaRPr>
                     </a:p>
                   </a:txBody>
-                  <a:tcPr marL="27895" marR="27895" marT="13947" marB="13947" anchor="ctr">
-                    <a:lnL>
-                      <a:noFill/>
-                    </a:lnL>
-                    <a:lnR>
-                      <a:noFill/>
-                    </a:lnR>
-                    <a:lnT>
-                      <a:noFill/>
-                    </a:lnT>
-                    <a:lnB>
-                      <a:noFill/>
-                    </a:lnB>
-                  </a:tcPr>
+                  <a:tcPr marL="6350" marR="6350" marT="6350" marB="0" anchor="ctr"/>
                 </a:tc>
                 <a:tc>
                   <a:txBody>
                     <a:bodyPr/>
                     <a:lstStyle/>
                     <a:p>
-                      <a:pPr algn="ctr" fontAlgn="ctr"/>
-                      <a:r>
-                        <a:rPr lang="en-US" sz="1200">
-                          <a:effectLst/>
-                        </a:rPr>
-                        <a:t>True</a:t>
-                      </a:r>
+                      <a:pPr algn="ctr" fontAlgn="b"/>
+                      <a:r>
+                        <a:rPr lang="sk-SK" sz="1200" u="none" strike="noStrike" smtClean="0">
+                          <a:effectLst/>
+                        </a:rPr>
+                        <a:t>✔️</a:t>
+                      </a:r>
+                      <a:endParaRPr lang="sk-SK" sz="1200" b="0" i="0" u="none" strike="noStrike">
+                        <a:solidFill>
+                          <a:srgbClr val="000000"/>
+                        </a:solidFill>
+                        <a:effectLst/>
+                        <a:latin typeface="Helvetica Neue" charset="0"/>
+                      </a:endParaRPr>
                     </a:p>
                   </a:txBody>
-                  <a:tcPr marL="27895" marR="27895" marT="13947" marB="13947" anchor="ctr">
-                    <a:lnL>
-                      <a:noFill/>
-                    </a:lnL>
-                    <a:lnR>
-                      <a:noFill/>
-                    </a:lnR>
-                    <a:lnT>
-                      <a:noFill/>
-                    </a:lnT>
-                    <a:lnB>
-                      <a:noFill/>
-                    </a:lnB>
-                  </a:tcPr>
+                  <a:tcPr marL="6350" marR="6350" marT="6350" marB="0" anchor="ctr"/>
                 </a:tc>
                 <a:tc>
                   <a:txBody>
                     <a:bodyPr/>
                     <a:lstStyle/>
                     <a:p>
-                      <a:pPr algn="ctr" fontAlgn="ctr"/>
-                      <a:r>
-                        <a:rPr lang="en-US" sz="1200">
-                          <a:effectLst/>
-                        </a:rPr>
-                        <a:t>True</a:t>
-                      </a:r>
+                      <a:pPr algn="ctr" fontAlgn="b"/>
+                      <a:r>
+                        <a:rPr lang="sk-SK" sz="1200" u="none" strike="noStrike" dirty="0" smtClean="0">
+                          <a:effectLst/>
+                        </a:rPr>
+                        <a:t>✔️</a:t>
+                      </a:r>
+                      <a:endParaRPr lang="sk-SK" sz="1200" b="0" i="0" u="none" strike="noStrike" dirty="0">
+                        <a:solidFill>
+                          <a:srgbClr val="000000"/>
+                        </a:solidFill>
+                        <a:effectLst/>
+                        <a:latin typeface="Helvetica Neue" charset="0"/>
+                      </a:endParaRPr>
                     </a:p>
                   </a:txBody>
-                  <a:tcPr marL="27895" marR="27895" marT="13947" marB="13947" anchor="ctr">
-                    <a:lnL>
-                      <a:noFill/>
-                    </a:lnL>
-                    <a:lnR>
-                      <a:noFill/>
-                    </a:lnR>
-                    <a:lnT>
-                      <a:noFill/>
-                    </a:lnT>
-                    <a:lnB>
-                      <a:noFill/>
-                    </a:lnB>
-                  </a:tcPr>
-                </a:tc>
-              </a:tr>
-              <a:tr h="391748">
-                <a:tc>
-                  <a:txBody>
-                    <a:bodyPr/>
-                    <a:lstStyle/>
-                    <a:p>
-                      <a:pPr algn="ctr" fontAlgn="t"/>
-                      <a:r>
-                        <a:rPr lang="en-US" sz="1200" b="1">
-                          <a:effectLst/>
-                        </a:rPr>
-                        <a:t>Flywheel Sports: Stadium Cycling</a:t>
-                      </a:r>
-                    </a:p>
-                  </a:txBody>
-                  <a:tcPr marL="27895" marR="27895" marT="13947" marB="13947" anchor="ctr">
-                    <a:lnL>
-                      <a:noFill/>
-                    </a:lnL>
-                    <a:lnR>
-                      <a:noFill/>
-                    </a:lnR>
-                    <a:lnT>
-                      <a:noFill/>
-                    </a:lnT>
-                    <a:lnB>
-                      <a:noFill/>
-                    </a:lnB>
-                    <a:solidFill>
-                      <a:srgbClr val="F5F5F5"/>
-                    </a:solidFill>
-                  </a:tcPr>
+                  <a:tcPr marL="6350" marR="6350" marT="6350" marB="0" anchor="ctr"/>
                 </a:tc>
                 <a:tc>
                   <a:txBody>
                     <a:bodyPr/>
                     <a:lstStyle/>
                     <a:p>
-                      <a:pPr algn="ctr" fontAlgn="t"/>
-                      <a:r>
-                        <a:rPr lang="en-US" sz="1200" b="1" dirty="0" err="1">
-                          <a:effectLst/>
-                        </a:rPr>
-                        <a:t>NoMad</a:t>
-                      </a:r>
-                      <a:endParaRPr lang="en-US" sz="1200" b="1" dirty="0">
+                      <a:pPr algn="ctr" fontAlgn="b"/>
+                      <a:r>
+                        <a:rPr lang="sk-SK" sz="1200" u="none" strike="noStrike" dirty="0">
+                          <a:effectLst/>
+                        </a:rPr>
+                        <a:t> </a:t>
+                      </a:r>
+                      <a:r>
+                        <a:rPr lang="sk-SK" sz="1200" u="none" strike="noStrike" dirty="0" smtClean="0">
+                          <a:effectLst/>
+                        </a:rPr>
+                        <a:t>✖️</a:t>
+                      </a:r>
+                      <a:endParaRPr lang="sk-SK" sz="1200" b="0" i="0" u="none" strike="noStrike" dirty="0">
+                        <a:solidFill>
+                          <a:srgbClr val="000000"/>
+                        </a:solidFill>
                         <a:effectLst/>
+                        <a:latin typeface="Helvetica Neue" charset="0"/>
                       </a:endParaRPr>
                     </a:p>
                   </a:txBody>
-                  <a:tcPr marL="27895" marR="27895" marT="13947" marB="13947" anchor="ctr">
-                    <a:lnL>
-                      <a:noFill/>
-                    </a:lnL>
-                    <a:lnR>
-                      <a:noFill/>
-                    </a:lnR>
-                    <a:lnT>
-                      <a:noFill/>
-                    </a:lnT>
-                    <a:lnB>
-                      <a:noFill/>
-                    </a:lnB>
-                    <a:solidFill>
-                      <a:srgbClr val="F5F5F5"/>
-                    </a:solidFill>
-                  </a:tcPr>
+                  <a:tcPr marL="6350" marR="6350" marT="6350" marB="0" anchor="ctr"/>
+                </a:tc>
+              </a:tr>
+              <a:tr h="289125">
+                <a:tc>
+                  <a:txBody>
+                    <a:bodyPr/>
+                    <a:lstStyle/>
+                    <a:p>
+                      <a:pPr algn="l" fontAlgn="b"/>
+                      <a:r>
+                        <a:rPr lang="en-US" sz="1200" u="none" strike="noStrike">
+                          <a:effectLst/>
+                        </a:rPr>
+                        <a:t>Physique 57</a:t>
+                      </a:r>
+                      <a:endParaRPr lang="en-US" sz="1200" b="1" i="0" u="none" strike="noStrike">
+                        <a:solidFill>
+                          <a:srgbClr val="000000"/>
+                        </a:solidFill>
+                        <a:effectLst/>
+                        <a:latin typeface="Helvetica Neue" charset="0"/>
+                      </a:endParaRPr>
+                    </a:p>
+                  </a:txBody>
+                  <a:tcPr marL="6350" marR="6350" marT="6350" marB="0" anchor="ctr"/>
                 </a:tc>
                 <a:tc>
                   <a:txBody>
                     <a:bodyPr/>
                     <a:lstStyle/>
                     <a:p>
-                      <a:pPr algn="ctr" fontAlgn="ctr"/>
-                      <a:r>
-                        <a:rPr lang="en-US" sz="1200">
-                          <a:effectLst/>
-                        </a:rPr>
-                        <a:t>True</a:t>
-                      </a:r>
+                      <a:pPr algn="l" fontAlgn="b"/>
+                      <a:r>
+                        <a:rPr lang="en-US" sz="1200" u="none" strike="noStrike" dirty="0">
+                          <a:effectLst/>
+                        </a:rPr>
+                        <a:t>Upper West Side</a:t>
+                      </a:r>
+                      <a:endParaRPr lang="en-US" sz="1200" b="1" i="0" u="none" strike="noStrike" dirty="0">
+                        <a:solidFill>
+                          <a:srgbClr val="000000"/>
+                        </a:solidFill>
+                        <a:effectLst/>
+                        <a:latin typeface="Helvetica Neue" charset="0"/>
+                      </a:endParaRPr>
                     </a:p>
                   </a:txBody>
-                  <a:tcPr marL="27895" marR="27895" marT="13947" marB="13947" anchor="ctr">
-                    <a:lnL>
-                      <a:noFill/>
-                    </a:lnL>
-                    <a:lnR>
-                      <a:noFill/>
-                    </a:lnR>
-                    <a:lnT>
-                      <a:noFill/>
-                    </a:lnT>
-                    <a:lnB>
-                      <a:noFill/>
-                    </a:lnB>
-                    <a:solidFill>
-                      <a:srgbClr val="F5F5F5"/>
-                    </a:solidFill>
-                  </a:tcPr>
+                  <a:tcPr marL="6350" marR="6350" marT="6350" marB="0" anchor="ctr"/>
                 </a:tc>
                 <a:tc>
                   <a:txBody>
                     <a:bodyPr/>
                     <a:lstStyle/>
                     <a:p>
-                      <a:pPr algn="ctr" fontAlgn="ctr"/>
-                      <a:r>
-                        <a:rPr lang="en-US" sz="1200" dirty="0">
-                          <a:effectLst/>
-                        </a:rPr>
-                        <a:t>True</a:t>
-                      </a:r>
+                      <a:pPr algn="ctr" fontAlgn="b"/>
+                      <a:r>
+                        <a:rPr lang="sk-SK" sz="1200" u="none" strike="noStrike" dirty="0" smtClean="0">
+                          <a:effectLst/>
+                        </a:rPr>
+                        <a:t>✔️</a:t>
+                      </a:r>
+                      <a:endParaRPr lang="sk-SK" sz="1200" b="0" i="0" u="none" strike="noStrike" dirty="0">
+                        <a:solidFill>
+                          <a:srgbClr val="000000"/>
+                        </a:solidFill>
+                        <a:effectLst/>
+                        <a:latin typeface="Helvetica Neue" charset="0"/>
+                      </a:endParaRPr>
                     </a:p>
                   </a:txBody>
-                  <a:tcPr marL="27895" marR="27895" marT="13947" marB="13947" anchor="ctr">
-                    <a:lnL>
-                      <a:noFill/>
-                    </a:lnL>
-                    <a:lnR>
-                      <a:noFill/>
-                    </a:lnR>
-                    <a:lnT>
-                      <a:noFill/>
-                    </a:lnT>
-                    <a:lnB>
-                      <a:noFill/>
-                    </a:lnB>
-                    <a:solidFill>
-                      <a:srgbClr val="F5F5F5"/>
-                    </a:solidFill>
-                  </a:tcPr>
+                  <a:tcPr marL="6350" marR="6350" marT="6350" marB="0" anchor="ctr"/>
                 </a:tc>
                 <a:tc>
                   <a:txBody>
                     <a:bodyPr/>
                     <a:lstStyle/>
                     <a:p>
-                      <a:pPr algn="ctr" fontAlgn="ctr"/>
-                      <a:r>
-                        <a:rPr lang="en-US" sz="1200">
-                          <a:effectLst/>
-                        </a:rPr>
-                        <a:t>True</a:t>
-                      </a:r>
+                      <a:pPr algn="ctr" fontAlgn="b"/>
+                      <a:r>
+                        <a:rPr lang="sk-SK" sz="1200" u="none" strike="noStrike" smtClean="0">
+                          <a:effectLst/>
+                        </a:rPr>
+                        <a:t>✔️</a:t>
+                      </a:r>
+                      <a:endParaRPr lang="sk-SK" sz="1200" b="0" i="0" u="none" strike="noStrike">
+                        <a:solidFill>
+                          <a:srgbClr val="000000"/>
+                        </a:solidFill>
+                        <a:effectLst/>
+                        <a:latin typeface="Helvetica Neue" charset="0"/>
+                      </a:endParaRPr>
                     </a:p>
                   </a:txBody>
-                  <a:tcPr marL="27895" marR="27895" marT="13947" marB="13947" anchor="ctr">
-                    <a:lnL>
-                      <a:noFill/>
-                    </a:lnL>
-                    <a:lnR>
-                      <a:noFill/>
-                    </a:lnR>
-                    <a:lnT>
-                      <a:noFill/>
-                    </a:lnT>
-                    <a:lnB>
-                      <a:noFill/>
-                    </a:lnB>
-                    <a:solidFill>
-                      <a:srgbClr val="F5F5F5"/>
-                    </a:solidFill>
-                  </a:tcPr>
+                  <a:tcPr marL="6350" marR="6350" marT="6350" marB="0" anchor="ctr"/>
                 </a:tc>
                 <a:tc>
                   <a:txBody>
                     <a:bodyPr/>
                     <a:lstStyle/>
                     <a:p>
-                      <a:pPr algn="ctr" fontAlgn="ctr"/>
-                      <a:r>
-                        <a:rPr lang="en-US" sz="1200">
-                          <a:effectLst/>
-                        </a:rPr>
-                        <a:t>False</a:t>
-                      </a:r>
+                      <a:pPr algn="ctr" fontAlgn="b"/>
+                      <a:r>
+                        <a:rPr lang="sk-SK" sz="1200" u="none" strike="noStrike" dirty="0" smtClean="0">
+                          <a:effectLst/>
+                        </a:rPr>
+                        <a:t>✔️</a:t>
+                      </a:r>
+                      <a:endParaRPr lang="sk-SK" sz="1200" b="0" i="0" u="none" strike="noStrike" dirty="0">
+                        <a:solidFill>
+                          <a:srgbClr val="000000"/>
+                        </a:solidFill>
+                        <a:effectLst/>
+                        <a:latin typeface="Helvetica Neue" charset="0"/>
+                      </a:endParaRPr>
                     </a:p>
                   </a:txBody>
-                  <a:tcPr marL="27895" marR="27895" marT="13947" marB="13947" anchor="ctr">
-                    <a:lnL>
-                      <a:noFill/>
-                    </a:lnL>
-                    <a:lnR>
-                      <a:noFill/>
-                    </a:lnR>
-                    <a:lnT>
-                      <a:noFill/>
-                    </a:lnT>
-                    <a:lnB>
-                      <a:noFill/>
-                    </a:lnB>
-                    <a:solidFill>
-                      <a:srgbClr val="F5F5F5"/>
-                    </a:solidFill>
-                  </a:tcPr>
-                </a:tc>
-              </a:tr>
-              <a:tr h="281391">
-                <a:tc>
-                  <a:txBody>
-                    <a:bodyPr/>
-                    <a:lstStyle/>
-                    <a:p>
-                      <a:pPr algn="ctr" fontAlgn="t"/>
-                      <a:r>
-                        <a:rPr lang="en-US" sz="1200" b="1">
-                          <a:effectLst/>
-                        </a:rPr>
-                        <a:t>Switch Playground USA</a:t>
-                      </a:r>
-                    </a:p>
-                  </a:txBody>
-                  <a:tcPr marL="27895" marR="27895" marT="13947" marB="13947" anchor="ctr">
-                    <a:lnL>
-                      <a:noFill/>
-                    </a:lnL>
-                    <a:lnR>
-                      <a:noFill/>
-                    </a:lnR>
-                    <a:lnT>
-                      <a:noFill/>
-                    </a:lnT>
-                    <a:lnB>
-                      <a:noFill/>
-                    </a:lnB>
-                  </a:tcPr>
+                  <a:tcPr marL="6350" marR="6350" marT="6350" marB="0" anchor="ctr"/>
                 </a:tc>
                 <a:tc>
                   <a:txBody>
                     <a:bodyPr/>
                     <a:lstStyle/>
                     <a:p>
-                      <a:pPr algn="ctr" fontAlgn="t"/>
-                      <a:r>
-                        <a:rPr lang="en-US" sz="1200" b="1">
-                          <a:effectLst/>
-                        </a:rPr>
-                        <a:t>Union Square</a:t>
-                      </a:r>
+                      <a:pPr algn="ctr" fontAlgn="b"/>
+                      <a:r>
+                        <a:rPr lang="sk-SK" sz="1200" u="none" strike="noStrike" dirty="0" smtClean="0">
+                          <a:effectLst/>
+                        </a:rPr>
+                        <a:t>✔️</a:t>
+                      </a:r>
+                      <a:r>
+                        <a:rPr lang="sk-SK" sz="1200" u="none" strike="noStrike" dirty="0">
+                          <a:effectLst/>
+                        </a:rPr>
+                        <a:t> </a:t>
+                      </a:r>
+                      <a:endParaRPr lang="sk-SK" sz="1200" b="0" i="0" u="none" strike="noStrike" dirty="0">
+                        <a:solidFill>
+                          <a:srgbClr val="000000"/>
+                        </a:solidFill>
+                        <a:effectLst/>
+                        <a:latin typeface="Helvetica Neue" charset="0"/>
+                      </a:endParaRPr>
                     </a:p>
                   </a:txBody>
-                  <a:tcPr marL="27895" marR="27895" marT="13947" marB="13947" anchor="ctr">
-                    <a:lnL>
-                      <a:noFill/>
-                    </a:lnL>
-                    <a:lnR>
-                      <a:noFill/>
-                    </a:lnR>
-                    <a:lnT>
-                      <a:noFill/>
-                    </a:lnT>
-                    <a:lnB>
-                      <a:noFill/>
-                    </a:lnB>
-                  </a:tcPr>
-                </a:tc>
-                <a:tc>
-                  <a:txBody>
-                    <a:bodyPr/>
-                    <a:lstStyle/>
-                    <a:p>
-                      <a:pPr algn="ctr" fontAlgn="ctr"/>
-                      <a:r>
-                        <a:rPr lang="en-US" sz="1200">
-                          <a:effectLst/>
-                        </a:rPr>
-                        <a:t>True</a:t>
-                      </a:r>
-                    </a:p>
-                  </a:txBody>
-                  <a:tcPr marL="27895" marR="27895" marT="13947" marB="13947" anchor="ctr">
-                    <a:lnL>
-                      <a:noFill/>
-                    </a:lnL>
-                    <a:lnR>
-                      <a:noFill/>
-                    </a:lnR>
-                    <a:lnT>
-                      <a:noFill/>
-                    </a:lnT>
-                    <a:lnB>
-                      <a:noFill/>
-                    </a:lnB>
-                  </a:tcPr>
-                </a:tc>
-                <a:tc>
-                  <a:txBody>
-                    <a:bodyPr/>
-                    <a:lstStyle/>
-                    <a:p>
-                      <a:pPr algn="ctr" fontAlgn="ctr"/>
-                      <a:r>
-                        <a:rPr lang="en-US" sz="1200" dirty="0">
-                          <a:effectLst/>
-                        </a:rPr>
-                        <a:t>True</a:t>
-                      </a:r>
-                    </a:p>
-                  </a:txBody>
-                  <a:tcPr marL="27895" marR="27895" marT="13947" marB="13947" anchor="ctr">
-                    <a:lnL>
-                      <a:noFill/>
-                    </a:lnL>
-                    <a:lnR>
-                      <a:noFill/>
-                    </a:lnR>
-                    <a:lnT>
-                      <a:noFill/>
-                    </a:lnT>
-                    <a:lnB>
-                      <a:noFill/>
-                    </a:lnB>
-                  </a:tcPr>
-                </a:tc>
-                <a:tc>
-                  <a:txBody>
-                    <a:bodyPr/>
-                    <a:lstStyle/>
-                    <a:p>
-                      <a:pPr algn="ctr" fontAlgn="ctr"/>
-                      <a:r>
-                        <a:rPr lang="en-US" sz="1200" dirty="0">
-                          <a:effectLst/>
-                        </a:rPr>
-                        <a:t>True</a:t>
-                      </a:r>
-                    </a:p>
-                  </a:txBody>
-                  <a:tcPr marL="27895" marR="27895" marT="13947" marB="13947" anchor="ctr">
-                    <a:lnL>
-                      <a:noFill/>
-                    </a:lnL>
-                    <a:lnR>
-                      <a:noFill/>
-                    </a:lnR>
-                    <a:lnT>
-                      <a:noFill/>
-                    </a:lnT>
-                    <a:lnB>
-                      <a:noFill/>
-                    </a:lnB>
-                  </a:tcPr>
-                </a:tc>
-                <a:tc>
-                  <a:txBody>
-                    <a:bodyPr/>
-                    <a:lstStyle/>
-                    <a:p>
-                      <a:pPr algn="ctr" fontAlgn="ctr"/>
-                      <a:r>
-                        <a:rPr lang="en-US" sz="1200">
-                          <a:effectLst/>
-                        </a:rPr>
-                        <a:t>False</a:t>
-                      </a:r>
-                    </a:p>
-                  </a:txBody>
-                  <a:tcPr marL="27895" marR="27895" marT="13947" marB="13947" anchor="ctr">
-                    <a:lnL>
-                      <a:noFill/>
-                    </a:lnL>
-                    <a:lnR>
-                      <a:noFill/>
-                    </a:lnR>
-                    <a:lnT>
-                      <a:noFill/>
-                    </a:lnT>
-                    <a:lnB>
-                      <a:noFill/>
-                    </a:lnB>
-                  </a:tcPr>
-                </a:tc>
-              </a:tr>
-              <a:tr h="391748">
-                <a:tc>
-                  <a:txBody>
-                    <a:bodyPr/>
-                    <a:lstStyle/>
-                    <a:p>
-                      <a:pPr algn="ctr" fontAlgn="t"/>
-                      <a:r>
-                        <a:rPr lang="en-US" sz="1200" b="1">
-                          <a:effectLst/>
-                        </a:rPr>
-                        <a:t>Flywheel Sports: Stadium Cycling</a:t>
-                      </a:r>
-                    </a:p>
-                  </a:txBody>
-                  <a:tcPr marL="27895" marR="27895" marT="13947" marB="13947" anchor="ctr">
-                    <a:lnL>
-                      <a:noFill/>
-                    </a:lnL>
-                    <a:lnR>
-                      <a:noFill/>
-                    </a:lnR>
-                    <a:lnT>
-                      <a:noFill/>
-                    </a:lnT>
-                    <a:lnB>
-                      <a:noFill/>
-                    </a:lnB>
-                    <a:solidFill>
-                      <a:srgbClr val="F5F5F5"/>
-                    </a:solidFill>
-                  </a:tcPr>
-                </a:tc>
-                <a:tc>
-                  <a:txBody>
-                    <a:bodyPr/>
-                    <a:lstStyle/>
-                    <a:p>
-                      <a:pPr algn="ctr" fontAlgn="t"/>
-                      <a:r>
-                        <a:rPr lang="en-US" sz="1200" b="1">
-                          <a:effectLst/>
-                        </a:rPr>
-                        <a:t>Chelsea</a:t>
-                      </a:r>
-                    </a:p>
-                  </a:txBody>
-                  <a:tcPr marL="27895" marR="27895" marT="13947" marB="13947" anchor="ctr">
-                    <a:lnL>
-                      <a:noFill/>
-                    </a:lnL>
-                    <a:lnR>
-                      <a:noFill/>
-                    </a:lnR>
-                    <a:lnT>
-                      <a:noFill/>
-                    </a:lnT>
-                    <a:lnB>
-                      <a:noFill/>
-                    </a:lnB>
-                    <a:solidFill>
-                      <a:srgbClr val="F5F5F5"/>
-                    </a:solidFill>
-                  </a:tcPr>
-                </a:tc>
-                <a:tc>
-                  <a:txBody>
-                    <a:bodyPr/>
-                    <a:lstStyle/>
-                    <a:p>
-                      <a:pPr algn="ctr" fontAlgn="ctr"/>
-                      <a:r>
-                        <a:rPr lang="en-US" sz="1200">
-                          <a:effectLst/>
-                        </a:rPr>
-                        <a:t>True</a:t>
-                      </a:r>
-                    </a:p>
-                  </a:txBody>
-                  <a:tcPr marL="27895" marR="27895" marT="13947" marB="13947" anchor="ctr">
-                    <a:lnL>
-                      <a:noFill/>
-                    </a:lnL>
-                    <a:lnR>
-                      <a:noFill/>
-                    </a:lnR>
-                    <a:lnT>
-                      <a:noFill/>
-                    </a:lnT>
-                    <a:lnB>
-                      <a:noFill/>
-                    </a:lnB>
-                    <a:solidFill>
-                      <a:srgbClr val="F5F5F5"/>
-                    </a:solidFill>
-                  </a:tcPr>
-                </a:tc>
-                <a:tc>
-                  <a:txBody>
-                    <a:bodyPr/>
-                    <a:lstStyle/>
-                    <a:p>
-                      <a:pPr algn="ctr" fontAlgn="ctr"/>
-                      <a:r>
-                        <a:rPr lang="en-US" sz="1200">
-                          <a:effectLst/>
-                        </a:rPr>
-                        <a:t>True</a:t>
-                      </a:r>
-                    </a:p>
-                  </a:txBody>
-                  <a:tcPr marL="27895" marR="27895" marT="13947" marB="13947" anchor="ctr">
-                    <a:lnL>
-                      <a:noFill/>
-                    </a:lnL>
-                    <a:lnR>
-                      <a:noFill/>
-                    </a:lnR>
-                    <a:lnT>
-                      <a:noFill/>
-                    </a:lnT>
-                    <a:lnB>
-                      <a:noFill/>
-                    </a:lnB>
-                    <a:solidFill>
-                      <a:srgbClr val="F5F5F5"/>
-                    </a:solidFill>
-                  </a:tcPr>
-                </a:tc>
-                <a:tc>
-                  <a:txBody>
-                    <a:bodyPr/>
-                    <a:lstStyle/>
-                    <a:p>
-                      <a:pPr algn="ctr" fontAlgn="ctr"/>
-                      <a:r>
-                        <a:rPr lang="en-US" sz="1200" dirty="0">
-                          <a:effectLst/>
-                        </a:rPr>
-                        <a:t>True</a:t>
-                      </a:r>
-                    </a:p>
-                  </a:txBody>
-                  <a:tcPr marL="27895" marR="27895" marT="13947" marB="13947" anchor="ctr">
-                    <a:lnL>
-                      <a:noFill/>
-                    </a:lnL>
-                    <a:lnR>
-                      <a:noFill/>
-                    </a:lnR>
-                    <a:lnT>
-                      <a:noFill/>
-                    </a:lnT>
-                    <a:lnB>
-                      <a:noFill/>
-                    </a:lnB>
-                    <a:solidFill>
-                      <a:srgbClr val="F5F5F5"/>
-                    </a:solidFill>
-                  </a:tcPr>
-                </a:tc>
-                <a:tc>
-                  <a:txBody>
-                    <a:bodyPr/>
-                    <a:lstStyle/>
-                    <a:p>
-                      <a:pPr algn="ctr" fontAlgn="ctr"/>
-                      <a:r>
-                        <a:rPr lang="en-US" sz="1200" dirty="0">
-                          <a:effectLst/>
-                        </a:rPr>
-                        <a:t>False</a:t>
-                      </a:r>
-                    </a:p>
-                  </a:txBody>
-                  <a:tcPr marL="27895" marR="27895" marT="13947" marB="13947" anchor="ctr">
-                    <a:lnL>
-                      <a:noFill/>
-                    </a:lnL>
-                    <a:lnR>
-                      <a:noFill/>
-                    </a:lnR>
-                    <a:lnT>
-                      <a:noFill/>
-                    </a:lnT>
-                    <a:lnB>
-                      <a:noFill/>
-                    </a:lnB>
-                    <a:solidFill>
-                      <a:srgbClr val="F5F5F5"/>
-                    </a:solidFill>
-                  </a:tcPr>
-                </a:tc>
-              </a:tr>
-              <a:tr h="391748">
-                <a:tc>
-                  <a:txBody>
-                    <a:bodyPr/>
-                    <a:lstStyle/>
-                    <a:p>
-                      <a:pPr algn="ctr" fontAlgn="t"/>
-                      <a:r>
-                        <a:rPr lang="en-US" sz="1200" b="1">
-                          <a:effectLst/>
-                        </a:rPr>
-                        <a:t>Physique 57</a:t>
-                      </a:r>
-                    </a:p>
-                  </a:txBody>
-                  <a:tcPr marL="27895" marR="27895" marT="13947" marB="13947" anchor="ctr">
-                    <a:lnL>
-                      <a:noFill/>
-                    </a:lnL>
-                    <a:lnR>
-                      <a:noFill/>
-                    </a:lnR>
-                    <a:lnT>
-                      <a:noFill/>
-                    </a:lnT>
-                    <a:lnB>
-                      <a:noFill/>
-                    </a:lnB>
-                  </a:tcPr>
-                </a:tc>
-                <a:tc>
-                  <a:txBody>
-                    <a:bodyPr/>
-                    <a:lstStyle/>
-                    <a:p>
-                      <a:pPr algn="ctr" fontAlgn="t"/>
-                      <a:r>
-                        <a:rPr lang="en-US" sz="1200" b="1">
-                          <a:effectLst/>
-                        </a:rPr>
-                        <a:t>Upper West Side</a:t>
-                      </a:r>
-                    </a:p>
-                  </a:txBody>
-                  <a:tcPr marL="27895" marR="27895" marT="13947" marB="13947" anchor="ctr">
-                    <a:lnL>
-                      <a:noFill/>
-                    </a:lnL>
-                    <a:lnR>
-                      <a:noFill/>
-                    </a:lnR>
-                    <a:lnT>
-                      <a:noFill/>
-                    </a:lnT>
-                    <a:lnB>
-                      <a:noFill/>
-                    </a:lnB>
-                  </a:tcPr>
-                </a:tc>
-                <a:tc>
-                  <a:txBody>
-                    <a:bodyPr/>
-                    <a:lstStyle/>
-                    <a:p>
-                      <a:pPr algn="ctr" fontAlgn="ctr"/>
-                      <a:r>
-                        <a:rPr lang="en-US" sz="1200">
-                          <a:effectLst/>
-                        </a:rPr>
-                        <a:t>True</a:t>
-                      </a:r>
-                    </a:p>
-                  </a:txBody>
-                  <a:tcPr marL="27895" marR="27895" marT="13947" marB="13947" anchor="ctr">
-                    <a:lnL>
-                      <a:noFill/>
-                    </a:lnL>
-                    <a:lnR>
-                      <a:noFill/>
-                    </a:lnR>
-                    <a:lnT>
-                      <a:noFill/>
-                    </a:lnT>
-                    <a:lnB>
-                      <a:noFill/>
-                    </a:lnB>
-                  </a:tcPr>
-                </a:tc>
-                <a:tc>
-                  <a:txBody>
-                    <a:bodyPr/>
-                    <a:lstStyle/>
-                    <a:p>
-                      <a:pPr algn="ctr" fontAlgn="ctr"/>
-                      <a:r>
-                        <a:rPr lang="en-US" sz="1200">
-                          <a:effectLst/>
-                        </a:rPr>
-                        <a:t>True</a:t>
-                      </a:r>
-                    </a:p>
-                  </a:txBody>
-                  <a:tcPr marL="27895" marR="27895" marT="13947" marB="13947" anchor="ctr">
-                    <a:lnL>
-                      <a:noFill/>
-                    </a:lnL>
-                    <a:lnR>
-                      <a:noFill/>
-                    </a:lnR>
-                    <a:lnT>
-                      <a:noFill/>
-                    </a:lnT>
-                    <a:lnB>
-                      <a:noFill/>
-                    </a:lnB>
-                  </a:tcPr>
-                </a:tc>
-                <a:tc>
-                  <a:txBody>
-                    <a:bodyPr/>
-                    <a:lstStyle/>
-                    <a:p>
-                      <a:pPr algn="ctr" fontAlgn="ctr"/>
-                      <a:r>
-                        <a:rPr lang="en-US" sz="1200" dirty="0">
-                          <a:effectLst/>
-                        </a:rPr>
-                        <a:t>True</a:t>
-                      </a:r>
-                    </a:p>
-                  </a:txBody>
-                  <a:tcPr marL="27895" marR="27895" marT="13947" marB="13947" anchor="ctr">
-                    <a:lnL>
-                      <a:noFill/>
-                    </a:lnL>
-                    <a:lnR>
-                      <a:noFill/>
-                    </a:lnR>
-                    <a:lnT>
-                      <a:noFill/>
-                    </a:lnT>
-                    <a:lnB>
-                      <a:noFill/>
-                    </a:lnB>
-                  </a:tcPr>
-                </a:tc>
-                <a:tc>
-                  <a:txBody>
-                    <a:bodyPr/>
-                    <a:lstStyle/>
-                    <a:p>
-                      <a:pPr algn="ctr" fontAlgn="ctr"/>
-                      <a:r>
-                        <a:rPr lang="en-US" sz="1200" dirty="0">
-                          <a:effectLst/>
-                        </a:rPr>
-                        <a:t>True</a:t>
-                      </a:r>
-                    </a:p>
-                  </a:txBody>
-                  <a:tcPr marL="27895" marR="27895" marT="13947" marB="13947" anchor="ctr">
-                    <a:lnL>
-                      <a:noFill/>
-                    </a:lnL>
-                    <a:lnR>
-                      <a:noFill/>
-                    </a:lnR>
-                    <a:lnT>
-                      <a:noFill/>
-                    </a:lnT>
-                    <a:lnB>
-                      <a:noFill/>
-                    </a:lnB>
-                  </a:tcPr>
-                </a:tc>
-              </a:tr>
-              <a:tr h="281391">
-                <a:tc>
-                  <a:txBody>
-                    <a:bodyPr/>
-                    <a:lstStyle/>
-                    <a:p>
-                      <a:pPr algn="ctr" fontAlgn="t"/>
-                      <a:r>
-                        <a:rPr lang="en-US" sz="1200" b="1">
-                          <a:effectLst/>
-                        </a:rPr>
-                        <a:t>Y7 Studio</a:t>
-                      </a:r>
-                    </a:p>
-                  </a:txBody>
-                  <a:tcPr marL="27895" marR="27895" marT="13947" marB="13947" anchor="ctr">
-                    <a:lnL>
-                      <a:noFill/>
-                    </a:lnL>
-                    <a:lnR>
-                      <a:noFill/>
-                    </a:lnR>
-                    <a:lnT>
-                      <a:noFill/>
-                    </a:lnT>
-                    <a:lnB>
-                      <a:noFill/>
-                    </a:lnB>
-                    <a:solidFill>
-                      <a:srgbClr val="F5F5F5"/>
-                    </a:solidFill>
-                  </a:tcPr>
-                </a:tc>
-                <a:tc>
-                  <a:txBody>
-                    <a:bodyPr/>
-                    <a:lstStyle/>
-                    <a:p>
-                      <a:pPr algn="ctr" fontAlgn="t"/>
-                      <a:r>
-                        <a:rPr lang="en-US" sz="1200" b="1">
-                          <a:effectLst/>
-                        </a:rPr>
-                        <a:t>Upper East Side</a:t>
-                      </a:r>
-                    </a:p>
-                  </a:txBody>
-                  <a:tcPr marL="27895" marR="27895" marT="13947" marB="13947" anchor="ctr">
-                    <a:lnL>
-                      <a:noFill/>
-                    </a:lnL>
-                    <a:lnR>
-                      <a:noFill/>
-                    </a:lnR>
-                    <a:lnT>
-                      <a:noFill/>
-                    </a:lnT>
-                    <a:lnB>
-                      <a:noFill/>
-                    </a:lnB>
-                    <a:solidFill>
-                      <a:srgbClr val="F5F5F5"/>
-                    </a:solidFill>
-                  </a:tcPr>
-                </a:tc>
-                <a:tc>
-                  <a:txBody>
-                    <a:bodyPr/>
-                    <a:lstStyle/>
-                    <a:p>
-                      <a:pPr algn="ctr" fontAlgn="ctr"/>
-                      <a:r>
-                        <a:rPr lang="en-US" sz="1200">
-                          <a:effectLst/>
-                        </a:rPr>
-                        <a:t>True</a:t>
-                      </a:r>
-                    </a:p>
-                  </a:txBody>
-                  <a:tcPr marL="27895" marR="27895" marT="13947" marB="13947" anchor="ctr">
-                    <a:lnL>
-                      <a:noFill/>
-                    </a:lnL>
-                    <a:lnR>
-                      <a:noFill/>
-                    </a:lnR>
-                    <a:lnT>
-                      <a:noFill/>
-                    </a:lnT>
-                    <a:lnB>
-                      <a:noFill/>
-                    </a:lnB>
-                    <a:solidFill>
-                      <a:srgbClr val="F5F5F5"/>
-                    </a:solidFill>
-                  </a:tcPr>
-                </a:tc>
-                <a:tc>
-                  <a:txBody>
-                    <a:bodyPr/>
-                    <a:lstStyle/>
-                    <a:p>
-                      <a:pPr algn="ctr" fontAlgn="ctr"/>
-                      <a:r>
-                        <a:rPr lang="en-US" sz="1200">
-                          <a:effectLst/>
-                        </a:rPr>
-                        <a:t>True</a:t>
-                      </a:r>
-                    </a:p>
-                  </a:txBody>
-                  <a:tcPr marL="27895" marR="27895" marT="13947" marB="13947" anchor="ctr">
-                    <a:lnL>
-                      <a:noFill/>
-                    </a:lnL>
-                    <a:lnR>
-                      <a:noFill/>
-                    </a:lnR>
-                    <a:lnT>
-                      <a:noFill/>
-                    </a:lnT>
-                    <a:lnB>
-                      <a:noFill/>
-                    </a:lnB>
-                    <a:solidFill>
-                      <a:srgbClr val="F5F5F5"/>
-                    </a:solidFill>
-                  </a:tcPr>
-                </a:tc>
-                <a:tc>
-                  <a:txBody>
-                    <a:bodyPr/>
-                    <a:lstStyle/>
-                    <a:p>
-                      <a:pPr algn="ctr" fontAlgn="ctr"/>
-                      <a:r>
-                        <a:rPr lang="en-US" sz="1200">
-                          <a:effectLst/>
-                        </a:rPr>
-                        <a:t>True</a:t>
-                      </a:r>
-                    </a:p>
-                  </a:txBody>
-                  <a:tcPr marL="27895" marR="27895" marT="13947" marB="13947" anchor="ctr">
-                    <a:lnL>
-                      <a:noFill/>
-                    </a:lnL>
-                    <a:lnR>
-                      <a:noFill/>
-                    </a:lnR>
-                    <a:lnT>
-                      <a:noFill/>
-                    </a:lnT>
-                    <a:lnB>
-                      <a:noFill/>
-                    </a:lnB>
-                    <a:solidFill>
-                      <a:srgbClr val="F5F5F5"/>
-                    </a:solidFill>
-                  </a:tcPr>
-                </a:tc>
-                <a:tc>
-                  <a:txBody>
-                    <a:bodyPr/>
-                    <a:lstStyle/>
-                    <a:p>
-                      <a:pPr algn="ctr" fontAlgn="ctr"/>
-                      <a:r>
-                        <a:rPr lang="en-US" sz="1200" dirty="0">
-                          <a:effectLst/>
-                        </a:rPr>
-                        <a:t>True</a:t>
-                      </a:r>
-                    </a:p>
-                  </a:txBody>
-                  <a:tcPr marL="27895" marR="27895" marT="13947" marB="13947" anchor="ctr">
-                    <a:lnL>
-                      <a:noFill/>
-                    </a:lnL>
-                    <a:lnR>
-                      <a:noFill/>
-                    </a:lnR>
-                    <a:lnT>
-                      <a:noFill/>
-                    </a:lnT>
-                    <a:lnB>
-                      <a:noFill/>
-                    </a:lnB>
-                    <a:solidFill>
-                      <a:srgbClr val="F5F5F5"/>
-                    </a:solidFill>
-                  </a:tcPr>
-                </a:tc>
-              </a:tr>
-              <a:tr h="281391">
-                <a:tc>
-                  <a:txBody>
-                    <a:bodyPr/>
-                    <a:lstStyle/>
-                    <a:p>
-                      <a:pPr algn="ctr" fontAlgn="t"/>
-                      <a:r>
-                        <a:rPr lang="en-US" sz="1200" b="1" dirty="0">
-                          <a:effectLst/>
-                        </a:rPr>
-                        <a:t>Physique 57</a:t>
-                      </a:r>
-                    </a:p>
-                  </a:txBody>
-                  <a:tcPr marL="27895" marR="27895" marT="13947" marB="13947" anchor="ctr">
-                    <a:lnL>
-                      <a:noFill/>
-                    </a:lnL>
-                    <a:lnR>
-                      <a:noFill/>
-                    </a:lnR>
-                    <a:lnT>
-                      <a:noFill/>
-                    </a:lnT>
-                    <a:lnB>
-                      <a:noFill/>
-                    </a:lnB>
-                  </a:tcPr>
-                </a:tc>
-                <a:tc>
-                  <a:txBody>
-                    <a:bodyPr/>
-                    <a:lstStyle/>
-                    <a:p>
-                      <a:pPr algn="ctr" fontAlgn="t"/>
-                      <a:r>
-                        <a:rPr lang="en-US" sz="1200" b="1">
-                          <a:effectLst/>
-                        </a:rPr>
-                        <a:t>Midtown</a:t>
-                      </a:r>
-                    </a:p>
-                  </a:txBody>
-                  <a:tcPr marL="27895" marR="27895" marT="13947" marB="13947" anchor="ctr">
-                    <a:lnL>
-                      <a:noFill/>
-                    </a:lnL>
-                    <a:lnR>
-                      <a:noFill/>
-                    </a:lnR>
-                    <a:lnT>
-                      <a:noFill/>
-                    </a:lnT>
-                    <a:lnB>
-                      <a:noFill/>
-                    </a:lnB>
-                  </a:tcPr>
-                </a:tc>
-                <a:tc>
-                  <a:txBody>
-                    <a:bodyPr/>
-                    <a:lstStyle/>
-                    <a:p>
-                      <a:pPr algn="ctr" fontAlgn="ctr"/>
-                      <a:r>
-                        <a:rPr lang="en-US" sz="1200" dirty="0">
-                          <a:effectLst/>
-                        </a:rPr>
-                        <a:t>True</a:t>
-                      </a:r>
-                    </a:p>
-                  </a:txBody>
-                  <a:tcPr marL="27895" marR="27895" marT="13947" marB="13947" anchor="ctr">
-                    <a:lnL>
-                      <a:noFill/>
-                    </a:lnL>
-                    <a:lnR>
-                      <a:noFill/>
-                    </a:lnR>
-                    <a:lnT>
-                      <a:noFill/>
-                    </a:lnT>
-                    <a:lnB>
-                      <a:noFill/>
-                    </a:lnB>
-                  </a:tcPr>
-                </a:tc>
-                <a:tc>
-                  <a:txBody>
-                    <a:bodyPr/>
-                    <a:lstStyle/>
-                    <a:p>
-                      <a:pPr algn="ctr" fontAlgn="ctr"/>
-                      <a:r>
-                        <a:rPr lang="en-US" sz="1200">
-                          <a:effectLst/>
-                        </a:rPr>
-                        <a:t>True</a:t>
-                      </a:r>
-                    </a:p>
-                  </a:txBody>
-                  <a:tcPr marL="27895" marR="27895" marT="13947" marB="13947" anchor="ctr">
-                    <a:lnL>
-                      <a:noFill/>
-                    </a:lnL>
-                    <a:lnR>
-                      <a:noFill/>
-                    </a:lnR>
-                    <a:lnT>
-                      <a:noFill/>
-                    </a:lnT>
-                    <a:lnB>
-                      <a:noFill/>
-                    </a:lnB>
-                  </a:tcPr>
-                </a:tc>
-                <a:tc>
-                  <a:txBody>
-                    <a:bodyPr/>
-                    <a:lstStyle/>
-                    <a:p>
-                      <a:pPr algn="ctr" fontAlgn="ctr"/>
-                      <a:r>
-                        <a:rPr lang="en-US" sz="1200">
-                          <a:effectLst/>
-                        </a:rPr>
-                        <a:t>True</a:t>
-                      </a:r>
-                    </a:p>
-                  </a:txBody>
-                  <a:tcPr marL="27895" marR="27895" marT="13947" marB="13947" anchor="ctr">
-                    <a:lnL>
-                      <a:noFill/>
-                    </a:lnL>
-                    <a:lnR>
-                      <a:noFill/>
-                    </a:lnR>
-                    <a:lnT>
-                      <a:noFill/>
-                    </a:lnT>
-                    <a:lnB>
-                      <a:noFill/>
-                    </a:lnB>
-                  </a:tcPr>
-                </a:tc>
-                <a:tc>
-                  <a:txBody>
-                    <a:bodyPr/>
-                    <a:lstStyle/>
-                    <a:p>
-                      <a:pPr algn="ctr" fontAlgn="ctr"/>
-                      <a:r>
-                        <a:rPr lang="en-US" sz="1200" dirty="0">
-                          <a:effectLst/>
-                        </a:rPr>
-                        <a:t>True</a:t>
-                      </a:r>
-                    </a:p>
-                  </a:txBody>
-                  <a:tcPr marL="27895" marR="27895" marT="13947" marB="13947" anchor="ctr">
-                    <a:lnL>
-                      <a:noFill/>
-                    </a:lnL>
-                    <a:lnR>
-                      <a:noFill/>
-                    </a:lnR>
-                    <a:lnT>
-                      <a:noFill/>
-                    </a:lnT>
-                    <a:lnB>
-                      <a:noFill/>
-                    </a:lnB>
-                  </a:tcPr>
+                  <a:tcPr marL="6350" marR="6350" marT="6350" marB="0" anchor="ctr"/>
                 </a:tc>
               </a:tr>
             </a:tbl>
@@ -14156,14 +12420,14 @@
       </p:graphicFrame>
       <p:sp>
         <p:nvSpPr>
-          <p:cNvPr id="9" name="TextBox 8"/>
+          <p:cNvPr id="6" name="TextBox 5"/>
           <p:cNvSpPr txBox="1"/>
           <p:nvPr/>
         </p:nvSpPr>
         <p:spPr>
           <a:xfrm>
-            <a:off x="135822" y="5889497"/>
-            <a:ext cx="3440750" cy="323165"/>
+            <a:off x="869950" y="4944139"/>
+            <a:ext cx="3818674" cy="276999"/>
           </a:xfrm>
           <a:prstGeom prst="rect">
             <a:avLst/>
@@ -14177,48 +12441,10 @@
           <a:lstStyle/>
           <a:p>
             <a:r>
-              <a:rPr lang="en-US" sz="1500" dirty="0" smtClean="0"/>
-              <a:t>Most popular venue for each key location</a:t>
+              <a:rPr lang="en-US" sz="1200" dirty="0" smtClean="0"/>
+              <a:t>Top 10 most frequently reviewed venues in New York</a:t>
             </a:r>
-            <a:endParaRPr lang="en-US" sz="1500" dirty="0"/>
-          </a:p>
-        </p:txBody>
-      </p:sp>
-      <p:sp>
-        <p:nvSpPr>
-          <p:cNvPr id="10" name="TextBox 9"/>
-          <p:cNvSpPr txBox="1"/>
-          <p:nvPr/>
-        </p:nvSpPr>
-        <p:spPr>
-          <a:xfrm>
-            <a:off x="4952450" y="5945834"/>
-            <a:ext cx="3252814" cy="369332"/>
-          </a:xfrm>
-          <a:prstGeom prst="rect">
-            <a:avLst/>
-          </a:prstGeom>
-          <a:noFill/>
-        </p:spPr>
-        <p:txBody>
-          <a:bodyPr wrap="none" rtlCol="0">
-            <a:spAutoFit/>
-          </a:bodyPr>
-          <a:lstStyle/>
-          <a:p>
-            <a:r>
-              <a:rPr lang="en-US" dirty="0" smtClean="0"/>
-              <a:t>Add </a:t>
-            </a:r>
-            <a:r>
-              <a:rPr lang="en-US" dirty="0" err="1" smtClean="0"/>
-              <a:t>wordmap</a:t>
-            </a:r>
-            <a:r>
-              <a:rPr lang="en-US" dirty="0" smtClean="0"/>
-              <a:t> here or next page</a:t>
-            </a:r>
-            <a:endParaRPr lang="en-US" dirty="0"/>
+            <a:endParaRPr lang="en-US" sz="1200" dirty="0"/>
           </a:p>
         </p:txBody>
       </p:sp>

--- a/GA_Final_presentation.pptx
+++ b/GA_Final_presentation.pptx
@@ -5342,8 +5342,24 @@
             </a:pPr>
             <a:r>
               <a:rPr lang="en-US" dirty="0"/>
-              <a:t>Gym and genre specific trends across cities, states and countries</a:t>
+              <a:t>Gym and genre specific trends across cities, states and </a:t>
             </a:r>
+            <a:r>
+              <a:rPr lang="en-US" dirty="0" smtClean="0"/>
+              <a:t>countries</a:t>
+            </a:r>
+          </a:p>
+          <a:p>
+            <a:pPr marL="457200">
+              <a:lnSpc>
+                <a:spcPct val="200000"/>
+              </a:lnSpc>
+            </a:pPr>
+            <a:r>
+              <a:rPr lang="en-US" dirty="0" smtClean="0"/>
+              <a:t>Implement new data from other sources to find correlation</a:t>
+            </a:r>
+            <a:endParaRPr lang="en-US" dirty="0"/>
           </a:p>
           <a:p>
             <a:pPr marL="457200" lvl="0" indent="-228600" rtl="0">
